--- a/PowerBI/Superstore_sales_data/Superstore sales data Analysis.pptx
+++ b/PowerBI/Superstore_sales_data/Superstore sales data Analysis.pptx
@@ -1,13 +1,18 @@
 
 <file path=ppt/presentation.xml><?xml version="1.0" encoding="utf-8"?>
-<p:presentation xmlns:p15="http://schemas.microsoft.com/office/powerpoint/2012/main" xmlns:a="http://schemas.openxmlformats.org/drawingml/2006/main" xmlns:r="http://schemas.openxmlformats.org/officeDocument/2006/relationships" xmlns:p="http://schemas.openxmlformats.org/presentationml/2006/main" saveSubsetFonts="1" autoCompressPictures="0">
+<p:presentation xmlns:a="http://schemas.openxmlformats.org/drawingml/2006/main" xmlns:r="http://schemas.openxmlformats.org/officeDocument/2006/relationships" xmlns:p="http://schemas.openxmlformats.org/presentationml/2006/main" saveSubsetFonts="1" autoCompressPictures="0">
   <p:sldMasterIdLst>
     <p:sldMasterId id="2147483660" r:id="rId1"/>
   </p:sldMasterIdLst>
+  <p:notesMasterIdLst>
+    <p:notesMasterId r:id="rId7"/>
+  </p:notesMasterIdLst>
   <p:sldIdLst>
     <p:sldId id="256" r:id="rId2"/>
-    <p:sldId id="257" r:id="RelId0"/>
-    <p:sldId id="258" r:id="RelId1"/>
+    <p:sldId id="259" r:id="rId3"/>
+    <p:sldId id="260" r:id="rId4"/>
+    <p:sldId id="257" r:id="rId5"/>
+    <p:sldId id="258" r:id="rId6"/>
   </p:sldIdLst>
   <p:sldSz cx="12192000" cy="6858000"/>
   <p:notesSz cx="6858000" cy="9144000"/>
@@ -114,8 +119,358 @@
 </p:presentation>
 </file>
 
-<file path=ppt/notesSlides/notesSlide.xml><?xml version="1.0" encoding="utf-8"?>
-<p:notes xmlns:p="http://schemas.openxmlformats.org/presentationml/2006/main">
+<file path=ppt/notesMasters/notesMaster1.xml><?xml version="1.0" encoding="utf-8"?>
+<p:notesMaster xmlns:a="http://schemas.openxmlformats.org/drawingml/2006/main" xmlns:r="http://schemas.openxmlformats.org/officeDocument/2006/relationships" xmlns:p="http://schemas.openxmlformats.org/presentationml/2006/main">
+  <p:cSld>
+    <p:bg>
+      <p:bgRef idx="1001">
+        <a:schemeClr val="bg1"/>
+      </p:bgRef>
+    </p:bg>
+    <p:spTree>
+      <p:nvGrpSpPr>
+        <p:cNvPr id="1" name=""/>
+        <p:cNvGrpSpPr/>
+        <p:nvPr/>
+      </p:nvGrpSpPr>
+      <p:grpSpPr>
+        <a:xfrm>
+          <a:off x="0" y="0"/>
+          <a:ext cx="0" cy="0"/>
+          <a:chOff x="0" y="0"/>
+          <a:chExt cx="0" cy="0"/>
+        </a:xfrm>
+      </p:grpSpPr>
+      <p:sp>
+        <p:nvSpPr>
+          <p:cNvPr id="2" name="Header Placeholder 1"/>
+          <p:cNvSpPr>
+            <a:spLocks noGrp="1"/>
+          </p:cNvSpPr>
+          <p:nvPr>
+            <p:ph type="hdr" sz="quarter"/>
+          </p:nvPr>
+        </p:nvSpPr>
+        <p:spPr>
+          <a:xfrm>
+            <a:off x="0" y="0"/>
+            <a:ext cx="2971800" cy="458788"/>
+          </a:xfrm>
+          <a:prstGeom prst="rect">
+            <a:avLst/>
+          </a:prstGeom>
+        </p:spPr>
+        <p:txBody>
+          <a:bodyPr vert="horz" lIns="91440" tIns="45720" rIns="91440" bIns="45720" rtlCol="0"/>
+          <a:lstStyle>
+            <a:lvl1pPr algn="l">
+              <a:defRPr sz="1200"/>
+            </a:lvl1pPr>
+          </a:lstStyle>
+          <a:p>
+            <a:endParaRPr lang="en-NL"/>
+          </a:p>
+        </p:txBody>
+      </p:sp>
+      <p:sp>
+        <p:nvSpPr>
+          <p:cNvPr id="3" name="Date Placeholder 2"/>
+          <p:cNvSpPr>
+            <a:spLocks noGrp="1"/>
+          </p:cNvSpPr>
+          <p:nvPr>
+            <p:ph type="dt" idx="1"/>
+          </p:nvPr>
+        </p:nvSpPr>
+        <p:spPr>
+          <a:xfrm>
+            <a:off x="3884613" y="0"/>
+            <a:ext cx="2971800" cy="458788"/>
+          </a:xfrm>
+          <a:prstGeom prst="rect">
+            <a:avLst/>
+          </a:prstGeom>
+        </p:spPr>
+        <p:txBody>
+          <a:bodyPr vert="horz" lIns="91440" tIns="45720" rIns="91440" bIns="45720" rtlCol="0"/>
+          <a:lstStyle>
+            <a:lvl1pPr algn="r">
+              <a:defRPr sz="1200"/>
+            </a:lvl1pPr>
+          </a:lstStyle>
+          <a:p>
+            <a:fld id="{9F6A170E-9645-4A01-8A14-F9D8EF4365C4}" type="datetimeFigureOut">
+              <a:rPr lang="en-NL" smtClean="0"/>
+              <a:t>10/06/2025</a:t>
+            </a:fld>
+            <a:endParaRPr lang="en-NL"/>
+          </a:p>
+        </p:txBody>
+      </p:sp>
+      <p:sp>
+        <p:nvSpPr>
+          <p:cNvPr id="4" name="Slide Image Placeholder 3"/>
+          <p:cNvSpPr>
+            <a:spLocks noGrp="1" noRot="1" noChangeAspect="1"/>
+          </p:cNvSpPr>
+          <p:nvPr>
+            <p:ph type="sldImg" idx="2"/>
+          </p:nvPr>
+        </p:nvSpPr>
+        <p:spPr>
+          <a:xfrm>
+            <a:off x="685800" y="1143000"/>
+            <a:ext cx="5486400" cy="3086100"/>
+          </a:xfrm>
+          <a:prstGeom prst="rect">
+            <a:avLst/>
+          </a:prstGeom>
+          <a:noFill/>
+          <a:ln w="12700">
+            <a:solidFill>
+              <a:prstClr val="black"/>
+            </a:solidFill>
+          </a:ln>
+        </p:spPr>
+        <p:txBody>
+          <a:bodyPr vert="horz" lIns="91440" tIns="45720" rIns="91440" bIns="45720" rtlCol="0" anchor="ctr"/>
+          <a:lstStyle/>
+          <a:p>
+            <a:endParaRPr lang="en-NL"/>
+          </a:p>
+        </p:txBody>
+      </p:sp>
+      <p:sp>
+        <p:nvSpPr>
+          <p:cNvPr id="5" name="Notes Placeholder 4"/>
+          <p:cNvSpPr>
+            <a:spLocks noGrp="1"/>
+          </p:cNvSpPr>
+          <p:nvPr>
+            <p:ph type="body" sz="quarter" idx="3"/>
+          </p:nvPr>
+        </p:nvSpPr>
+        <p:spPr>
+          <a:xfrm>
+            <a:off x="685800" y="4400550"/>
+            <a:ext cx="5486400" cy="3600450"/>
+          </a:xfrm>
+          <a:prstGeom prst="rect">
+            <a:avLst/>
+          </a:prstGeom>
+        </p:spPr>
+        <p:txBody>
+          <a:bodyPr vert="horz" lIns="91440" tIns="45720" rIns="91440" bIns="45720" rtlCol="0"/>
+          <a:lstStyle/>
+          <a:p>
+            <a:pPr lvl="0"/>
+            <a:r>
+              <a:rPr lang="en-US"/>
+              <a:t>Click to edit Master text styles</a:t>
+            </a:r>
+          </a:p>
+          <a:p>
+            <a:pPr lvl="1"/>
+            <a:r>
+              <a:rPr lang="en-US"/>
+              <a:t>Second level</a:t>
+            </a:r>
+          </a:p>
+          <a:p>
+            <a:pPr lvl="2"/>
+            <a:r>
+              <a:rPr lang="en-US"/>
+              <a:t>Third level</a:t>
+            </a:r>
+          </a:p>
+          <a:p>
+            <a:pPr lvl="3"/>
+            <a:r>
+              <a:rPr lang="en-US"/>
+              <a:t>Fourth level</a:t>
+            </a:r>
+          </a:p>
+          <a:p>
+            <a:pPr lvl="4"/>
+            <a:r>
+              <a:rPr lang="en-US"/>
+              <a:t>Fifth level</a:t>
+            </a:r>
+            <a:endParaRPr lang="en-NL"/>
+          </a:p>
+        </p:txBody>
+      </p:sp>
+      <p:sp>
+        <p:nvSpPr>
+          <p:cNvPr id="6" name="Footer Placeholder 5"/>
+          <p:cNvSpPr>
+            <a:spLocks noGrp="1"/>
+          </p:cNvSpPr>
+          <p:nvPr>
+            <p:ph type="ftr" sz="quarter" idx="4"/>
+          </p:nvPr>
+        </p:nvSpPr>
+        <p:spPr>
+          <a:xfrm>
+            <a:off x="0" y="8685213"/>
+            <a:ext cx="2971800" cy="458787"/>
+          </a:xfrm>
+          <a:prstGeom prst="rect">
+            <a:avLst/>
+          </a:prstGeom>
+        </p:spPr>
+        <p:txBody>
+          <a:bodyPr vert="horz" lIns="91440" tIns="45720" rIns="91440" bIns="45720" rtlCol="0" anchor="b"/>
+          <a:lstStyle>
+            <a:lvl1pPr algn="l">
+              <a:defRPr sz="1200"/>
+            </a:lvl1pPr>
+          </a:lstStyle>
+          <a:p>
+            <a:endParaRPr lang="en-NL"/>
+          </a:p>
+        </p:txBody>
+      </p:sp>
+      <p:sp>
+        <p:nvSpPr>
+          <p:cNvPr id="7" name="Slide Number Placeholder 6"/>
+          <p:cNvSpPr>
+            <a:spLocks noGrp="1"/>
+          </p:cNvSpPr>
+          <p:nvPr>
+            <p:ph type="sldNum" sz="quarter" idx="5"/>
+          </p:nvPr>
+        </p:nvSpPr>
+        <p:spPr>
+          <a:xfrm>
+            <a:off x="3884613" y="8685213"/>
+            <a:ext cx="2971800" cy="458787"/>
+          </a:xfrm>
+          <a:prstGeom prst="rect">
+            <a:avLst/>
+          </a:prstGeom>
+        </p:spPr>
+        <p:txBody>
+          <a:bodyPr vert="horz" lIns="91440" tIns="45720" rIns="91440" bIns="45720" rtlCol="0" anchor="b"/>
+          <a:lstStyle>
+            <a:lvl1pPr algn="r">
+              <a:defRPr sz="1200"/>
+            </a:lvl1pPr>
+          </a:lstStyle>
+          <a:p>
+            <a:fld id="{512F9A14-0800-4601-B091-C963A803A637}" type="slidenum">
+              <a:rPr lang="en-NL" smtClean="0"/>
+              <a:t>‹#›</a:t>
+            </a:fld>
+            <a:endParaRPr lang="en-NL"/>
+          </a:p>
+        </p:txBody>
+      </p:sp>
+    </p:spTree>
+    <p:extLst>
+      <p:ext uri="{BB962C8B-B14F-4D97-AF65-F5344CB8AC3E}">
+        <p14:creationId xmlns:p14="http://schemas.microsoft.com/office/powerpoint/2010/main" val="1353778707"/>
+      </p:ext>
+    </p:extLst>
+  </p:cSld>
+  <p:clrMap bg1="lt1" tx1="dk1" bg2="lt2" tx2="dk2" accent1="accent1" accent2="accent2" accent3="accent3" accent4="accent4" accent5="accent5" accent6="accent6" hlink="hlink" folHlink="folHlink"/>
+  <p:notesStyle>
+    <a:lvl1pPr marL="0" algn="l" defTabSz="914400" rtl="0" eaLnBrk="1" latinLnBrk="0" hangingPunct="1">
+      <a:defRPr sz="1200" kern="1200">
+        <a:solidFill>
+          <a:schemeClr val="tx1"/>
+        </a:solidFill>
+        <a:latin typeface="+mn-lt"/>
+        <a:ea typeface="+mn-ea"/>
+        <a:cs typeface="+mn-cs"/>
+      </a:defRPr>
+    </a:lvl1pPr>
+    <a:lvl2pPr marL="457200" algn="l" defTabSz="914400" rtl="0" eaLnBrk="1" latinLnBrk="0" hangingPunct="1">
+      <a:defRPr sz="1200" kern="1200">
+        <a:solidFill>
+          <a:schemeClr val="tx1"/>
+        </a:solidFill>
+        <a:latin typeface="+mn-lt"/>
+        <a:ea typeface="+mn-ea"/>
+        <a:cs typeface="+mn-cs"/>
+      </a:defRPr>
+    </a:lvl2pPr>
+    <a:lvl3pPr marL="914400" algn="l" defTabSz="914400" rtl="0" eaLnBrk="1" latinLnBrk="0" hangingPunct="1">
+      <a:defRPr sz="1200" kern="1200">
+        <a:solidFill>
+          <a:schemeClr val="tx1"/>
+        </a:solidFill>
+        <a:latin typeface="+mn-lt"/>
+        <a:ea typeface="+mn-ea"/>
+        <a:cs typeface="+mn-cs"/>
+      </a:defRPr>
+    </a:lvl3pPr>
+    <a:lvl4pPr marL="1371600" algn="l" defTabSz="914400" rtl="0" eaLnBrk="1" latinLnBrk="0" hangingPunct="1">
+      <a:defRPr sz="1200" kern="1200">
+        <a:solidFill>
+          <a:schemeClr val="tx1"/>
+        </a:solidFill>
+        <a:latin typeface="+mn-lt"/>
+        <a:ea typeface="+mn-ea"/>
+        <a:cs typeface="+mn-cs"/>
+      </a:defRPr>
+    </a:lvl4pPr>
+    <a:lvl5pPr marL="1828800" algn="l" defTabSz="914400" rtl="0" eaLnBrk="1" latinLnBrk="0" hangingPunct="1">
+      <a:defRPr sz="1200" kern="1200">
+        <a:solidFill>
+          <a:schemeClr val="tx1"/>
+        </a:solidFill>
+        <a:latin typeface="+mn-lt"/>
+        <a:ea typeface="+mn-ea"/>
+        <a:cs typeface="+mn-cs"/>
+      </a:defRPr>
+    </a:lvl5pPr>
+    <a:lvl6pPr marL="2286000" algn="l" defTabSz="914400" rtl="0" eaLnBrk="1" latinLnBrk="0" hangingPunct="1">
+      <a:defRPr sz="1200" kern="1200">
+        <a:solidFill>
+          <a:schemeClr val="tx1"/>
+        </a:solidFill>
+        <a:latin typeface="+mn-lt"/>
+        <a:ea typeface="+mn-ea"/>
+        <a:cs typeface="+mn-cs"/>
+      </a:defRPr>
+    </a:lvl6pPr>
+    <a:lvl7pPr marL="2743200" algn="l" defTabSz="914400" rtl="0" eaLnBrk="1" latinLnBrk="0" hangingPunct="1">
+      <a:defRPr sz="1200" kern="1200">
+        <a:solidFill>
+          <a:schemeClr val="tx1"/>
+        </a:solidFill>
+        <a:latin typeface="+mn-lt"/>
+        <a:ea typeface="+mn-ea"/>
+        <a:cs typeface="+mn-cs"/>
+      </a:defRPr>
+    </a:lvl7pPr>
+    <a:lvl8pPr marL="3200400" algn="l" defTabSz="914400" rtl="0" eaLnBrk="1" latinLnBrk="0" hangingPunct="1">
+      <a:defRPr sz="1200" kern="1200">
+        <a:solidFill>
+          <a:schemeClr val="tx1"/>
+        </a:solidFill>
+        <a:latin typeface="+mn-lt"/>
+        <a:ea typeface="+mn-ea"/>
+        <a:cs typeface="+mn-cs"/>
+      </a:defRPr>
+    </a:lvl8pPr>
+    <a:lvl9pPr marL="3657600" algn="l" defTabSz="914400" rtl="0" eaLnBrk="1" latinLnBrk="0" hangingPunct="1">
+      <a:defRPr sz="1200" kern="1200">
+        <a:solidFill>
+          <a:schemeClr val="tx1"/>
+        </a:solidFill>
+        <a:latin typeface="+mn-lt"/>
+        <a:ea typeface="+mn-ea"/>
+        <a:cs typeface="+mn-cs"/>
+      </a:defRPr>
+    </a:lvl9pPr>
+  </p:notesStyle>
+</p:notesMaster>
+</file>
+
+<file path=ppt/notesSlides/notesSlide1.xml><?xml version="1.0" encoding="utf-8"?>
+<p:notes xmlns:a="http://schemas.openxmlformats.org/drawingml/2006/main" xmlns:r="http://schemas.openxmlformats.org/officeDocument/2006/relationships" xmlns:p="http://schemas.openxmlformats.org/presentationml/2006/main">
   <p:cSld>
     <p:spTree>
       <p:nvGrpSpPr>
@@ -123,12 +478,31 @@
         <p:cNvGrpSpPr/>
         <p:nvPr/>
       </p:nvGrpSpPr>
-      <p:grpSpPr/>
-      <p:sp>
-        <p:nvSpPr>
-          <p:cNvPr id="2" name="Slide Text"/>
-          <p:cNvSpPr>
-            <a:spLocks xmlns:a="http://schemas.openxmlformats.org/drawingml/2006/main" noGrp="1"/>
+      <p:grpSpPr>
+        <a:xfrm>
+          <a:off x="0" y="0"/>
+          <a:ext cx="0" cy="0"/>
+          <a:chOff x="0" y="0"/>
+          <a:chExt cx="0" cy="0"/>
+        </a:xfrm>
+      </p:grpSpPr>
+      <p:sp>
+        <p:nvSpPr>
+          <p:cNvPr id="2" name="Slide Image Placeholder 1"/>
+          <p:cNvSpPr>
+            <a:spLocks noGrp="1" noRot="1" noChangeAspect="1"/>
+          </p:cNvSpPr>
+          <p:nvPr>
+            <p:ph type="sldImg"/>
+          </p:nvPr>
+        </p:nvSpPr>
+        <p:spPr/>
+      </p:sp>
+      <p:sp>
+        <p:nvSpPr>
+          <p:cNvPr id="3" name="Notes Placeholder 2"/>
+          <p:cNvSpPr>
+            <a:spLocks noGrp="1"/>
           </p:cNvSpPr>
           <p:nvPr>
             <p:ph type="body" idx="1"/>
@@ -136,440 +510,159 @@
         </p:nvSpPr>
         <p:spPr/>
         <p:txBody>
-          <a:bodyPr xmlns:a="http://schemas.openxmlformats.org/drawingml/2006/main"/>
-          <a:lstStyle xmlns:a="http://schemas.openxmlformats.org/drawingml/2006/main"/>
-          <a:p xmlns:a="http://schemas.openxmlformats.org/drawingml/2006/main">
-            <a:r>
-              <a:rPr b="1" dirty="0"/>
-              <a:t>shape</a:t>
-            </a:r>
-            <a:endParaRPr dirty="0"/>
-          </a:p>
-          <a:p xmlns:a="http://schemas.openxmlformats.org/drawingml/2006/main">
-            <a:r>
-              <a:rPr b="0" dirty="0"/>
-              <a:t>No alt text provided</a:t>
-            </a:r>
-            <a:endParaRPr dirty="0"/>
-          </a:p>
-          <a:p xmlns:a="http://schemas.openxmlformats.org/drawingml/2006/main">
-            <a:r>
-              <a:rPr b="0" dirty="0"/>
-              <a:t/>
-            </a:r>
-            <a:endParaRPr dirty="0"/>
-          </a:p>
-          <a:p xmlns:a="http://schemas.openxmlformats.org/drawingml/2006/main">
-            <a:r>
-              <a:rPr b="1" dirty="0"/>
-              <a:t>textbox</a:t>
-            </a:r>
-            <a:endParaRPr dirty="0"/>
-          </a:p>
-          <a:p xmlns:a="http://schemas.openxmlformats.org/drawingml/2006/main">
-            <a:r>
-              <a:rPr b="0" dirty="0"/>
-              <a:t>No alt text provided</a:t>
-            </a:r>
-            <a:endParaRPr dirty="0"/>
-          </a:p>
-          <a:p xmlns:a="http://schemas.openxmlformats.org/drawingml/2006/main">
-            <a:r>
-              <a:rPr b="0" dirty="0"/>
-              <a:t/>
-            </a:r>
-            <a:endParaRPr dirty="0"/>
-          </a:p>
-          <a:p xmlns:a="http://schemas.openxmlformats.org/drawingml/2006/main">
-            <a:r>
-              <a:rPr b="1" dirty="0"/>
-              <a:t>card</a:t>
-            </a:r>
-            <a:endParaRPr dirty="0"/>
-          </a:p>
-          <a:p xmlns:a="http://schemas.openxmlformats.org/drawingml/2006/main">
-            <a:r>
-              <a:rPr b="0" dirty="0"/>
-              <a:t>No alt text provided</a:t>
-            </a:r>
-            <a:endParaRPr dirty="0"/>
-          </a:p>
-          <a:p xmlns:a="http://schemas.openxmlformats.org/drawingml/2006/main">
-            <a:r>
-              <a:rPr b="0" dirty="0"/>
-              <a:t/>
-            </a:r>
-            <a:endParaRPr dirty="0"/>
-          </a:p>
-          <a:p xmlns:a="http://schemas.openxmlformats.org/drawingml/2006/main">
-            <a:r>
-              <a:rPr b="1" dirty="0"/>
-              <a:t>slicer</a:t>
-            </a:r>
-            <a:endParaRPr dirty="0"/>
-          </a:p>
-          <a:p xmlns:a="http://schemas.openxmlformats.org/drawingml/2006/main">
-            <a:r>
-              <a:rPr b="0" dirty="0"/>
-              <a:t>No alt text provided</a:t>
-            </a:r>
-            <a:endParaRPr dirty="0"/>
-          </a:p>
-          <a:p xmlns:a="http://schemas.openxmlformats.org/drawingml/2006/main">
-            <a:r>
-              <a:rPr b="0" dirty="0"/>
-              <a:t/>
-            </a:r>
-            <a:endParaRPr dirty="0"/>
-          </a:p>
-          <a:p xmlns:a="http://schemas.openxmlformats.org/drawingml/2006/main">
-            <a:r>
-              <a:rPr b="1" dirty="0"/>
-              <a:t>slicer</a:t>
-            </a:r>
-            <a:endParaRPr dirty="0"/>
-          </a:p>
-          <a:p xmlns:a="http://schemas.openxmlformats.org/drawingml/2006/main">
-            <a:r>
-              <a:rPr b="0" dirty="0"/>
-              <a:t>No alt text provided</a:t>
-            </a:r>
-            <a:endParaRPr dirty="0"/>
-          </a:p>
-          <a:p xmlns:a="http://schemas.openxmlformats.org/drawingml/2006/main">
-            <a:r>
-              <a:rPr b="0" dirty="0"/>
-              <a:t/>
-            </a:r>
-            <a:endParaRPr dirty="0"/>
-          </a:p>
-          <a:p xmlns:a="http://schemas.openxmlformats.org/drawingml/2006/main">
-            <a:r>
-              <a:rPr b="1" dirty="0"/>
-              <a:t>slicer</a:t>
-            </a:r>
-            <a:endParaRPr dirty="0"/>
-          </a:p>
-          <a:p xmlns:a="http://schemas.openxmlformats.org/drawingml/2006/main">
-            <a:r>
-              <a:rPr b="0" dirty="0"/>
-              <a:t>No alt text provided</a:t>
-            </a:r>
-            <a:endParaRPr dirty="0"/>
-          </a:p>
-          <a:p xmlns:a="http://schemas.openxmlformats.org/drawingml/2006/main">
-            <a:r>
-              <a:rPr b="0" dirty="0"/>
-              <a:t/>
-            </a:r>
-            <a:endParaRPr dirty="0"/>
-          </a:p>
-          <a:p xmlns:a="http://schemas.openxmlformats.org/drawingml/2006/main">
-            <a:r>
-              <a:rPr b="1" dirty="0"/>
-              <a:t>clusteredColumnChart</a:t>
-            </a:r>
-            <a:endParaRPr dirty="0"/>
-          </a:p>
-          <a:p xmlns:a="http://schemas.openxmlformats.org/drawingml/2006/main">
-            <a:r>
-              <a:rPr b="0" dirty="0"/>
-              <a:t>No alt text provided</a:t>
-            </a:r>
-            <a:endParaRPr dirty="0"/>
-          </a:p>
-          <a:p xmlns:a="http://schemas.openxmlformats.org/drawingml/2006/main">
-            <a:r>
-              <a:rPr b="0" dirty="0"/>
-              <a:t/>
-            </a:r>
-            <a:endParaRPr dirty="0"/>
-          </a:p>
-          <a:p xmlns:a="http://schemas.openxmlformats.org/drawingml/2006/main">
-            <a:r>
-              <a:rPr b="1" dirty="0"/>
-              <a:t>donutChart</a:t>
-            </a:r>
-            <a:endParaRPr dirty="0"/>
-          </a:p>
-          <a:p xmlns:a="http://schemas.openxmlformats.org/drawingml/2006/main">
-            <a:r>
-              <a:rPr b="0" dirty="0"/>
-              <a:t>No alt text provided</a:t>
-            </a:r>
-            <a:endParaRPr dirty="0"/>
-          </a:p>
-          <a:p xmlns:a="http://schemas.openxmlformats.org/drawingml/2006/main">
-            <a:r>
-              <a:rPr b="0" dirty="0"/>
-              <a:t/>
-            </a:r>
-            <a:endParaRPr dirty="0"/>
-          </a:p>
-          <a:p xmlns:a="http://schemas.openxmlformats.org/drawingml/2006/main">
-            <a:r>
-              <a:rPr b="1" dirty="0"/>
-              <a:t>Region Contribution In Profit</a:t>
-            </a:r>
-            <a:endParaRPr dirty="0"/>
-          </a:p>
-          <a:p xmlns:a="http://schemas.openxmlformats.org/drawingml/2006/main">
-            <a:r>
-              <a:rPr b="0" dirty="0"/>
-              <a:t>No alt text provided</a:t>
-            </a:r>
-            <a:endParaRPr dirty="0"/>
-          </a:p>
-          <a:p xmlns:a="http://schemas.openxmlformats.org/drawingml/2006/main">
-            <a:r>
-              <a:rPr b="0" dirty="0"/>
-              <a:t/>
-            </a:r>
-            <a:endParaRPr dirty="0"/>
-          </a:p>
-          <a:p xmlns:a="http://schemas.openxmlformats.org/drawingml/2006/main">
-            <a:r>
-              <a:rPr b="1" dirty="0"/>
-              <a:t>shape</a:t>
-            </a:r>
-            <a:endParaRPr dirty="0"/>
-          </a:p>
-          <a:p xmlns:a="http://schemas.openxmlformats.org/drawingml/2006/main">
-            <a:r>
-              <a:rPr b="0" dirty="0"/>
-              <a:t>No alt text provided</a:t>
-            </a:r>
-            <a:endParaRPr dirty="0"/>
-          </a:p>
-          <a:p xmlns:a="http://schemas.openxmlformats.org/drawingml/2006/main">
-            <a:r>
-              <a:rPr b="0" dirty="0"/>
-              <a:t/>
-            </a:r>
-            <a:endParaRPr dirty="0"/>
-          </a:p>
-          <a:p xmlns:a="http://schemas.openxmlformats.org/drawingml/2006/main">
-            <a:r>
-              <a:rPr b="1" dirty="0"/>
-              <a:t>textbox</a:t>
-            </a:r>
-            <a:endParaRPr dirty="0"/>
-          </a:p>
-          <a:p xmlns:a="http://schemas.openxmlformats.org/drawingml/2006/main">
-            <a:r>
-              <a:rPr b="0" dirty="0"/>
-              <a:t>No alt text provided</a:t>
-            </a:r>
-            <a:endParaRPr dirty="0"/>
-          </a:p>
-          <a:p xmlns:a="http://schemas.openxmlformats.org/drawingml/2006/main">
-            <a:r>
-              <a:rPr b="0" dirty="0"/>
-              <a:t/>
-            </a:r>
-            <a:endParaRPr dirty="0"/>
-          </a:p>
-          <a:p xmlns:a="http://schemas.openxmlformats.org/drawingml/2006/main">
-            <a:r>
-              <a:rPr b="1" dirty="0"/>
-              <a:t>Sales, Profit &amp; Profit Ratio by Sub Category</a:t>
-            </a:r>
-            <a:endParaRPr dirty="0"/>
-          </a:p>
-          <a:p xmlns:a="http://schemas.openxmlformats.org/drawingml/2006/main">
-            <a:r>
-              <a:rPr b="0" dirty="0"/>
-              <a:t>No alt text provided</a:t>
-            </a:r>
-            <a:endParaRPr dirty="0"/>
-          </a:p>
-          <a:p xmlns:a="http://schemas.openxmlformats.org/drawingml/2006/main">
-            <a:r>
-              <a:rPr b="0" dirty="0"/>
-              <a:t/>
-            </a:r>
-            <a:endParaRPr dirty="0"/>
-          </a:p>
-          <a:p xmlns:a="http://schemas.openxmlformats.org/drawingml/2006/main">
-            <a:r>
-              <a:rPr b="1" dirty="0"/>
-              <a:t>#Returned Orders by Market</a:t>
-            </a:r>
-            <a:endParaRPr dirty="0"/>
-          </a:p>
-          <a:p xmlns:a="http://schemas.openxmlformats.org/drawingml/2006/main">
-            <a:r>
-              <a:rPr b="0" dirty="0"/>
-              <a:t>No alt text provided</a:t>
-            </a:r>
-            <a:endParaRPr dirty="0"/>
-          </a:p>
-          <a:p xmlns:a="http://schemas.openxmlformats.org/drawingml/2006/main">
-            <a:r>
-              <a:rPr b="0" dirty="0"/>
-              <a:t/>
-            </a:r>
-            <a:endParaRPr dirty="0"/>
-          </a:p>
-          <a:p xmlns:a="http://schemas.openxmlformats.org/drawingml/2006/main">
-            <a:r>
-              <a:rPr b="1" dirty="0"/>
-              <a:t>Top 5 Regional Manager by Sales</a:t>
-            </a:r>
-            <a:endParaRPr dirty="0"/>
-          </a:p>
-          <a:p xmlns:a="http://schemas.openxmlformats.org/drawingml/2006/main">
-            <a:r>
-              <a:rPr b="0" dirty="0"/>
-              <a:t>No alt text provided</a:t>
-            </a:r>
-            <a:endParaRPr dirty="0"/>
-          </a:p>
-          <a:p xmlns:a="http://schemas.openxmlformats.org/drawingml/2006/main">
-            <a:r>
-              <a:rPr b="0" dirty="0"/>
-              <a:t/>
-            </a:r>
-            <a:endParaRPr dirty="0"/>
-          </a:p>
-          <a:p xmlns:a="http://schemas.openxmlformats.org/drawingml/2006/main">
-            <a:r>
-              <a:rPr b="1" dirty="0"/>
-              <a:t>card</a:t>
-            </a:r>
-            <a:endParaRPr dirty="0"/>
-          </a:p>
-          <a:p xmlns:a="http://schemas.openxmlformats.org/drawingml/2006/main">
-            <a:r>
-              <a:rPr b="0" dirty="0"/>
-              <a:t>No alt text provided</a:t>
-            </a:r>
-            <a:endParaRPr dirty="0"/>
-          </a:p>
-          <a:p xmlns:a="http://schemas.openxmlformats.org/drawingml/2006/main">
-            <a:r>
-              <a:rPr b="0" dirty="0"/>
-              <a:t/>
-            </a:r>
-            <a:endParaRPr dirty="0"/>
-          </a:p>
-          <a:p xmlns:a="http://schemas.openxmlformats.org/drawingml/2006/main">
-            <a:r>
-              <a:rPr b="1" dirty="0"/>
-              <a:t>cardVisual</a:t>
-            </a:r>
-            <a:endParaRPr dirty="0"/>
-          </a:p>
-          <a:p xmlns:a="http://schemas.openxmlformats.org/drawingml/2006/main">
-            <a:r>
-              <a:rPr b="0" dirty="0"/>
-              <a:t>No alt text provided</a:t>
-            </a:r>
-            <a:endParaRPr dirty="0"/>
-          </a:p>
-          <a:p xmlns:a="http://schemas.openxmlformats.org/drawingml/2006/main">
-            <a:r>
-              <a:rPr b="0" dirty="0"/>
-              <a:t/>
-            </a:r>
-            <a:endParaRPr dirty="0"/>
-          </a:p>
-          <a:p xmlns:a="http://schemas.openxmlformats.org/drawingml/2006/main">
-            <a:r>
-              <a:rPr b="1" dirty="0"/>
-              <a:t>lineChart</a:t>
-            </a:r>
-            <a:endParaRPr dirty="0"/>
-          </a:p>
-          <a:p xmlns:a="http://schemas.openxmlformats.org/drawingml/2006/main">
-            <a:r>
-              <a:rPr b="0" dirty="0"/>
-              <a:t>No alt text provided</a:t>
-            </a:r>
-            <a:endParaRPr dirty="0"/>
-          </a:p>
-          <a:p xmlns:a="http://schemas.openxmlformats.org/drawingml/2006/main">
-            <a:r>
-              <a:rPr b="0" dirty="0"/>
-              <a:t/>
-            </a:r>
-            <a:endParaRPr dirty="0"/>
-          </a:p>
-          <a:p xmlns:a="http://schemas.openxmlformats.org/drawingml/2006/main">
-            <a:r>
-              <a:rPr b="1" dirty="0"/>
-              <a:t>lineChart</a:t>
-            </a:r>
-            <a:endParaRPr dirty="0"/>
-          </a:p>
-          <a:p xmlns:a="http://schemas.openxmlformats.org/drawingml/2006/main">
-            <a:r>
-              <a:rPr b="0" dirty="0"/>
-              <a:t>No alt text provided</a:t>
-            </a:r>
-            <a:endParaRPr dirty="0"/>
-          </a:p>
-          <a:p xmlns:a="http://schemas.openxmlformats.org/drawingml/2006/main">
-            <a:r>
-              <a:rPr b="0" dirty="0"/>
-              <a:t/>
-            </a:r>
-            <a:endParaRPr dirty="0"/>
-          </a:p>
-          <a:p xmlns:a="http://schemas.openxmlformats.org/drawingml/2006/main">
-            <a:r>
-              <a:rPr b="1" dirty="0"/>
-              <a:t>actionButton</a:t>
-            </a:r>
-            <a:endParaRPr dirty="0"/>
-          </a:p>
-          <a:p xmlns:a="http://schemas.openxmlformats.org/drawingml/2006/main">
-            <a:r>
-              <a:rPr b="0" dirty="0"/>
-              <a:t>No alt text provided</a:t>
-            </a:r>
-            <a:endParaRPr dirty="0"/>
-          </a:p>
-          <a:p xmlns:a="http://schemas.openxmlformats.org/drawingml/2006/main">
-            <a:r>
-              <a:rPr b="0" dirty="0"/>
-              <a:t/>
-            </a:r>
-            <a:endParaRPr dirty="0"/>
-          </a:p>
-          <a:p xmlns:a="http://schemas.openxmlformats.org/drawingml/2006/main">
-            <a:r>
-              <a:rPr b="1" dirty="0"/>
-              <a:t>actionButton</a:t>
-            </a:r>
-            <a:endParaRPr dirty="0"/>
-          </a:p>
-          <a:p xmlns:a="http://schemas.openxmlformats.org/drawingml/2006/main">
-            <a:r>
-              <a:rPr b="0" dirty="0"/>
-              <a:t>No alt text provided</a:t>
-            </a:r>
-            <a:endParaRPr dirty="0"/>
-          </a:p>
-          <a:p xmlns:a="http://schemas.openxmlformats.org/drawingml/2006/main">
-            <a:r>
-              <a:rPr b="0" dirty="0"/>
-              <a:t/>
-            </a:r>
-            <a:endParaRPr dirty="0"/>
+          <a:bodyPr/>
+          <a:lstStyle/>
+          <a:p>
+            <a:endParaRPr lang="en-NL" dirty="0"/>
+          </a:p>
+        </p:txBody>
+      </p:sp>
+      <p:sp>
+        <p:nvSpPr>
+          <p:cNvPr id="4" name="Slide Number Placeholder 3"/>
+          <p:cNvSpPr>
+            <a:spLocks noGrp="1"/>
+          </p:cNvSpPr>
+          <p:nvPr>
+            <p:ph type="sldNum" sz="quarter" idx="5"/>
+          </p:nvPr>
+        </p:nvSpPr>
+        <p:spPr/>
+        <p:txBody>
+          <a:bodyPr/>
+          <a:lstStyle/>
+          <a:p>
+            <a:fld id="{512F9A14-0800-4601-B091-C963A803A637}" type="slidenum">
+              <a:rPr lang="en-NL" smtClean="0"/>
+              <a:t>2</a:t>
+            </a:fld>
+            <a:endParaRPr lang="en-NL"/>
           </a:p>
         </p:txBody>
       </p:sp>
     </p:spTree>
-    <p:clrMapOvr>
-      <a:masterClrMapping xmlns:a="http://schemas.openxmlformats.org/drawingml/2006/main"/>
-    </p:clrMapOvr>
+    <p:extLst>
+      <p:ext uri="{BB962C8B-B14F-4D97-AF65-F5344CB8AC3E}">
+        <p14:creationId xmlns:p14="http://schemas.microsoft.com/office/powerpoint/2010/main" val="4264712969"/>
+      </p:ext>
+    </p:extLst>
   </p:cSld>
+  <p:clrMapOvr>
+    <a:masterClrMapping/>
+  </p:clrMapOvr>
 </p:notes>
 </file>
 
 <file path=ppt/notesSlides/notesSlide2.xml><?xml version="1.0" encoding="utf-8"?>
-<p:notes xmlns:p="http://schemas.openxmlformats.org/presentationml/2006/main">
+<p:notes xmlns:a="http://schemas.openxmlformats.org/drawingml/2006/main" xmlns:r="http://schemas.openxmlformats.org/officeDocument/2006/relationships" xmlns:p="http://schemas.openxmlformats.org/presentationml/2006/main">
+  <p:cSld>
+    <p:spTree>
+      <p:nvGrpSpPr>
+        <p:cNvPr id="1" name="">
+          <a:extLst>
+            <a:ext uri="{FF2B5EF4-FFF2-40B4-BE49-F238E27FC236}">
+              <a16:creationId xmlns:a16="http://schemas.microsoft.com/office/drawing/2014/main" id="{D0736034-2826-BBCF-3165-9972449EBC18}"/>
+            </a:ext>
+          </a:extLst>
+        </p:cNvPr>
+        <p:cNvGrpSpPr/>
+        <p:nvPr/>
+      </p:nvGrpSpPr>
+      <p:grpSpPr>
+        <a:xfrm>
+          <a:off x="0" y="0"/>
+          <a:ext cx="0" cy="0"/>
+          <a:chOff x="0" y="0"/>
+          <a:chExt cx="0" cy="0"/>
+        </a:xfrm>
+      </p:grpSpPr>
+      <p:sp>
+        <p:nvSpPr>
+          <p:cNvPr id="2" name="Slide Image Placeholder 1">
+            <a:extLst>
+              <a:ext uri="{FF2B5EF4-FFF2-40B4-BE49-F238E27FC236}">
+                <a16:creationId xmlns:a16="http://schemas.microsoft.com/office/drawing/2014/main" id="{A85EC2CC-09EA-81D3-E836-B77EA387B80D}"/>
+              </a:ext>
+            </a:extLst>
+          </p:cNvPr>
+          <p:cNvSpPr>
+            <a:spLocks noGrp="1" noRot="1" noChangeAspect="1"/>
+          </p:cNvSpPr>
+          <p:nvPr>
+            <p:ph type="sldImg"/>
+          </p:nvPr>
+        </p:nvSpPr>
+        <p:spPr/>
+      </p:sp>
+      <p:sp>
+        <p:nvSpPr>
+          <p:cNvPr id="3" name="Notes Placeholder 2">
+            <a:extLst>
+              <a:ext uri="{FF2B5EF4-FFF2-40B4-BE49-F238E27FC236}">
+                <a16:creationId xmlns:a16="http://schemas.microsoft.com/office/drawing/2014/main" id="{6C733838-EFCD-A1BA-19BF-CF0E9DDE5E87}"/>
+              </a:ext>
+            </a:extLst>
+          </p:cNvPr>
+          <p:cNvSpPr>
+            <a:spLocks noGrp="1"/>
+          </p:cNvSpPr>
+          <p:nvPr>
+            <p:ph type="body" idx="1"/>
+          </p:nvPr>
+        </p:nvSpPr>
+        <p:spPr/>
+        <p:txBody>
+          <a:bodyPr/>
+          <a:lstStyle/>
+          <a:p>
+            <a:endParaRPr lang="en-NL" dirty="0"/>
+          </a:p>
+        </p:txBody>
+      </p:sp>
+      <p:sp>
+        <p:nvSpPr>
+          <p:cNvPr id="4" name="Slide Number Placeholder 3">
+            <a:extLst>
+              <a:ext uri="{FF2B5EF4-FFF2-40B4-BE49-F238E27FC236}">
+                <a16:creationId xmlns:a16="http://schemas.microsoft.com/office/drawing/2014/main" id="{1E34F92E-7BBE-9B79-C782-97929AB0BDAA}"/>
+              </a:ext>
+            </a:extLst>
+          </p:cNvPr>
+          <p:cNvSpPr>
+            <a:spLocks noGrp="1"/>
+          </p:cNvSpPr>
+          <p:nvPr>
+            <p:ph type="sldNum" sz="quarter" idx="5"/>
+          </p:nvPr>
+        </p:nvSpPr>
+        <p:spPr/>
+        <p:txBody>
+          <a:bodyPr/>
+          <a:lstStyle/>
+          <a:p>
+            <a:fld id="{512F9A14-0800-4601-B091-C963A803A637}" type="slidenum">
+              <a:rPr lang="en-NL" smtClean="0"/>
+              <a:t>3</a:t>
+            </a:fld>
+            <a:endParaRPr lang="en-NL"/>
+          </a:p>
+        </p:txBody>
+      </p:sp>
+    </p:spTree>
+    <p:extLst>
+      <p:ext uri="{BB962C8B-B14F-4D97-AF65-F5344CB8AC3E}">
+        <p14:creationId xmlns:p14="http://schemas.microsoft.com/office/powerpoint/2010/main" val="661643277"/>
+      </p:ext>
+    </p:extLst>
+  </p:cSld>
+  <p:clrMapOvr>
+    <a:masterClrMapping/>
+  </p:clrMapOvr>
+</p:notes>
+</file>
+
+<file path=ppt/notesSlides/notesSlide3.xml><?xml version="1.0" encoding="utf-8"?>
+<p:notes xmlns:a="http://schemas.openxmlformats.org/drawingml/2006/main" xmlns:r="http://schemas.openxmlformats.org/officeDocument/2006/relationships" xmlns:p="http://schemas.openxmlformats.org/presentationml/2006/main">
   <p:cSld>
     <p:spTree>
       <p:nvGrpSpPr>
@@ -577,12 +670,19 @@
         <p:cNvGrpSpPr/>
         <p:nvPr/>
       </p:nvGrpSpPr>
-      <p:grpSpPr/>
+      <p:grpSpPr>
+        <a:xfrm>
+          <a:off x="0" y="0"/>
+          <a:ext cx="0" cy="0"/>
+          <a:chOff x="0" y="0"/>
+          <a:chExt cx="0" cy="0"/>
+        </a:xfrm>
+      </p:grpSpPr>
       <p:sp>
         <p:nvSpPr>
           <p:cNvPr id="2" name="Slide Text"/>
           <p:cNvSpPr>
-            <a:spLocks xmlns:a="http://schemas.openxmlformats.org/drawingml/2006/main" noGrp="1"/>
+            <a:spLocks noGrp="1"/>
           </p:cNvSpPr>
           <p:nvPr>
             <p:ph type="body" idx="1"/>
@@ -590,183 +690,532 @@
         </p:nvSpPr>
         <p:spPr/>
         <p:txBody>
-          <a:bodyPr xmlns:a="http://schemas.openxmlformats.org/drawingml/2006/main"/>
-          <a:lstStyle xmlns:a="http://schemas.openxmlformats.org/drawingml/2006/main"/>
-          <a:p xmlns:a="http://schemas.openxmlformats.org/drawingml/2006/main">
+          <a:bodyPr/>
+          <a:lstStyle/>
+          <a:p>
+            <a:r>
+              <a:rPr b="1" dirty="0"/>
+              <a:t>shape</a:t>
+            </a:r>
+            <a:endParaRPr dirty="0"/>
+          </a:p>
+          <a:p>
+            <a:r>
+              <a:rPr b="0" dirty="0"/>
+              <a:t>No alt text provided</a:t>
+            </a:r>
+            <a:endParaRPr dirty="0"/>
+          </a:p>
+          <a:p>
+            <a:endParaRPr dirty="0"/>
+          </a:p>
+          <a:p>
+            <a:r>
+              <a:rPr b="1" dirty="0"/>
+              <a:t>textbox</a:t>
+            </a:r>
+            <a:endParaRPr dirty="0"/>
+          </a:p>
+          <a:p>
+            <a:r>
+              <a:rPr b="0" dirty="0"/>
+              <a:t>No alt text provided</a:t>
+            </a:r>
+            <a:endParaRPr dirty="0"/>
+          </a:p>
+          <a:p>
+            <a:endParaRPr dirty="0"/>
+          </a:p>
+          <a:p>
+            <a:r>
+              <a:rPr b="1" dirty="0"/>
+              <a:t>card</a:t>
+            </a:r>
+            <a:endParaRPr dirty="0"/>
+          </a:p>
+          <a:p>
+            <a:r>
+              <a:rPr b="0" dirty="0"/>
+              <a:t>No alt text provided</a:t>
+            </a:r>
+            <a:endParaRPr dirty="0"/>
+          </a:p>
+          <a:p>
+            <a:endParaRPr dirty="0"/>
+          </a:p>
+          <a:p>
             <a:r>
               <a:rPr b="1" dirty="0"/>
               <a:t>slicer</a:t>
             </a:r>
             <a:endParaRPr dirty="0"/>
           </a:p>
-          <a:p xmlns:a="http://schemas.openxmlformats.org/drawingml/2006/main">
+          <a:p>
             <a:r>
               <a:rPr b="0" dirty="0"/>
               <a:t>No alt text provided</a:t>
             </a:r>
             <a:endParaRPr dirty="0"/>
           </a:p>
-          <a:p xmlns:a="http://schemas.openxmlformats.org/drawingml/2006/main">
-            <a:r>
-              <a:rPr b="0" dirty="0"/>
-              <a:t/>
-            </a:r>
-            <a:endParaRPr dirty="0"/>
-          </a:p>
-          <a:p xmlns:a="http://schemas.openxmlformats.org/drawingml/2006/main">
+          <a:p>
+            <a:endParaRPr dirty="0"/>
+          </a:p>
+          <a:p>
             <a:r>
               <a:rPr b="1" dirty="0"/>
               <a:t>slicer</a:t>
             </a:r>
             <a:endParaRPr dirty="0"/>
           </a:p>
-          <a:p xmlns:a="http://schemas.openxmlformats.org/drawingml/2006/main">
+          <a:p>
             <a:r>
               <a:rPr b="0" dirty="0"/>
               <a:t>No alt text provided</a:t>
             </a:r>
             <a:endParaRPr dirty="0"/>
           </a:p>
-          <a:p xmlns:a="http://schemas.openxmlformats.org/drawingml/2006/main">
-            <a:r>
-              <a:rPr b="0" dirty="0"/>
-              <a:t/>
-            </a:r>
-            <a:endParaRPr dirty="0"/>
-          </a:p>
-          <a:p xmlns:a="http://schemas.openxmlformats.org/drawingml/2006/main">
+          <a:p>
+            <a:endParaRPr dirty="0"/>
+          </a:p>
+          <a:p>
             <a:r>
               <a:rPr b="1" dirty="0"/>
               <a:t>slicer</a:t>
             </a:r>
             <a:endParaRPr dirty="0"/>
           </a:p>
-          <a:p xmlns:a="http://schemas.openxmlformats.org/drawingml/2006/main">
+          <a:p>
             <a:r>
               <a:rPr b="0" dirty="0"/>
               <a:t>No alt text provided</a:t>
             </a:r>
             <a:endParaRPr dirty="0"/>
           </a:p>
-          <a:p xmlns:a="http://schemas.openxmlformats.org/drawingml/2006/main">
+          <a:p>
+            <a:endParaRPr dirty="0"/>
+          </a:p>
+          <a:p>
+            <a:r>
+              <a:rPr b="1" dirty="0"/>
+              <a:t>clusteredColumnChart</a:t>
+            </a:r>
+            <a:endParaRPr dirty="0"/>
+          </a:p>
+          <a:p>
             <a:r>
               <a:rPr b="0" dirty="0"/>
-              <a:t/>
-            </a:r>
-            <a:endParaRPr dirty="0"/>
-          </a:p>
-          <a:p xmlns:a="http://schemas.openxmlformats.org/drawingml/2006/main">
+              <a:t>No alt text provided</a:t>
+            </a:r>
+            <a:endParaRPr dirty="0"/>
+          </a:p>
+          <a:p>
+            <a:endParaRPr dirty="0"/>
+          </a:p>
+          <a:p>
+            <a:r>
+              <a:rPr b="1" dirty="0"/>
+              <a:t>donutChart</a:t>
+            </a:r>
+            <a:endParaRPr dirty="0"/>
+          </a:p>
+          <a:p>
+            <a:r>
+              <a:rPr b="0" dirty="0"/>
+              <a:t>No alt text provided</a:t>
+            </a:r>
+            <a:endParaRPr dirty="0"/>
+          </a:p>
+          <a:p>
+            <a:endParaRPr dirty="0"/>
+          </a:p>
+          <a:p>
+            <a:r>
+              <a:rPr b="1" dirty="0"/>
+              <a:t>Region Contribution In Profit</a:t>
+            </a:r>
+            <a:endParaRPr dirty="0"/>
+          </a:p>
+          <a:p>
+            <a:r>
+              <a:rPr b="0" dirty="0"/>
+              <a:t>No alt text provided</a:t>
+            </a:r>
+            <a:endParaRPr dirty="0"/>
+          </a:p>
+          <a:p>
+            <a:endParaRPr dirty="0"/>
+          </a:p>
+          <a:p>
+            <a:r>
+              <a:rPr b="1" dirty="0"/>
+              <a:t>shape</a:t>
+            </a:r>
+            <a:endParaRPr dirty="0"/>
+          </a:p>
+          <a:p>
+            <a:r>
+              <a:rPr b="0" dirty="0"/>
+              <a:t>No alt text provided</a:t>
+            </a:r>
+            <a:endParaRPr dirty="0"/>
+          </a:p>
+          <a:p>
+            <a:endParaRPr dirty="0"/>
+          </a:p>
+          <a:p>
+            <a:r>
+              <a:rPr b="1" dirty="0"/>
+              <a:t>textbox</a:t>
+            </a:r>
+            <a:endParaRPr dirty="0"/>
+          </a:p>
+          <a:p>
+            <a:r>
+              <a:rPr b="0" dirty="0"/>
+              <a:t>No alt text provided</a:t>
+            </a:r>
+            <a:endParaRPr dirty="0"/>
+          </a:p>
+          <a:p>
+            <a:endParaRPr dirty="0"/>
+          </a:p>
+          <a:p>
+            <a:r>
+              <a:rPr b="1" dirty="0"/>
+              <a:t>Sales, Profit &amp; Profit Ratio by Sub Category</a:t>
+            </a:r>
+            <a:endParaRPr dirty="0"/>
+          </a:p>
+          <a:p>
+            <a:r>
+              <a:rPr b="0" dirty="0"/>
+              <a:t>No alt text provided</a:t>
+            </a:r>
+            <a:endParaRPr dirty="0"/>
+          </a:p>
+          <a:p>
+            <a:endParaRPr dirty="0"/>
+          </a:p>
+          <a:p>
+            <a:r>
+              <a:rPr b="1" dirty="0"/>
+              <a:t>#Returned Orders by Market</a:t>
+            </a:r>
+            <a:endParaRPr dirty="0"/>
+          </a:p>
+          <a:p>
+            <a:r>
+              <a:rPr b="0" dirty="0"/>
+              <a:t>No alt text provided</a:t>
+            </a:r>
+            <a:endParaRPr dirty="0"/>
+          </a:p>
+          <a:p>
+            <a:endParaRPr dirty="0"/>
+          </a:p>
+          <a:p>
+            <a:r>
+              <a:rPr b="1" dirty="0"/>
+              <a:t>Top 5 Regional Manager by Sales</a:t>
+            </a:r>
+            <a:endParaRPr dirty="0"/>
+          </a:p>
+          <a:p>
+            <a:r>
+              <a:rPr b="0" dirty="0"/>
+              <a:t>No alt text provided</a:t>
+            </a:r>
+            <a:endParaRPr dirty="0"/>
+          </a:p>
+          <a:p>
+            <a:endParaRPr dirty="0"/>
+          </a:p>
+          <a:p>
+            <a:r>
+              <a:rPr b="1" dirty="0"/>
+              <a:t>card</a:t>
+            </a:r>
+            <a:endParaRPr dirty="0"/>
+          </a:p>
+          <a:p>
+            <a:r>
+              <a:rPr b="0" dirty="0"/>
+              <a:t>No alt text provided</a:t>
+            </a:r>
+            <a:endParaRPr dirty="0"/>
+          </a:p>
+          <a:p>
+            <a:endParaRPr dirty="0"/>
+          </a:p>
+          <a:p>
+            <a:r>
+              <a:rPr b="1" dirty="0"/>
+              <a:t>cardVisual</a:t>
+            </a:r>
+            <a:endParaRPr dirty="0"/>
+          </a:p>
+          <a:p>
+            <a:r>
+              <a:rPr b="0" dirty="0"/>
+              <a:t>No alt text provided</a:t>
+            </a:r>
+            <a:endParaRPr dirty="0"/>
+          </a:p>
+          <a:p>
+            <a:endParaRPr dirty="0"/>
+          </a:p>
+          <a:p>
+            <a:r>
+              <a:rPr b="1" dirty="0"/>
+              <a:t>lineChart</a:t>
+            </a:r>
+            <a:endParaRPr dirty="0"/>
+          </a:p>
+          <a:p>
+            <a:r>
+              <a:rPr b="0" dirty="0"/>
+              <a:t>No alt text provided</a:t>
+            </a:r>
+            <a:endParaRPr dirty="0"/>
+          </a:p>
+          <a:p>
+            <a:endParaRPr dirty="0"/>
+          </a:p>
+          <a:p>
+            <a:r>
+              <a:rPr b="1" dirty="0"/>
+              <a:t>lineChart</a:t>
+            </a:r>
+            <a:endParaRPr dirty="0"/>
+          </a:p>
+          <a:p>
+            <a:r>
+              <a:rPr b="0" dirty="0"/>
+              <a:t>No alt text provided</a:t>
+            </a:r>
+            <a:endParaRPr dirty="0"/>
+          </a:p>
+          <a:p>
+            <a:endParaRPr dirty="0"/>
+          </a:p>
+          <a:p>
+            <a:r>
+              <a:rPr b="1" dirty="0"/>
+              <a:t>actionButton</a:t>
+            </a:r>
+            <a:endParaRPr dirty="0"/>
+          </a:p>
+          <a:p>
+            <a:r>
+              <a:rPr b="0" dirty="0"/>
+              <a:t>No alt text provided</a:t>
+            </a:r>
+            <a:endParaRPr dirty="0"/>
+          </a:p>
+          <a:p>
+            <a:endParaRPr dirty="0"/>
+          </a:p>
+          <a:p>
+            <a:r>
+              <a:rPr b="1" dirty="0"/>
+              <a:t>actionButton</a:t>
+            </a:r>
+            <a:endParaRPr dirty="0"/>
+          </a:p>
+          <a:p>
+            <a:r>
+              <a:rPr b="0" dirty="0"/>
+              <a:t>No alt text provided</a:t>
+            </a:r>
+            <a:endParaRPr dirty="0"/>
+          </a:p>
+          <a:p>
+            <a:endParaRPr dirty="0"/>
+          </a:p>
+        </p:txBody>
+      </p:sp>
+    </p:spTree>
+  </p:cSld>
+  <p:clrMapOvr>
+    <a:masterClrMapping/>
+  </p:clrMapOvr>
+</p:notes>
+</file>
+
+<file path=ppt/notesSlides/notesSlide4.xml><?xml version="1.0" encoding="utf-8"?>
+<p:notes xmlns:a="http://schemas.openxmlformats.org/drawingml/2006/main" xmlns:r="http://schemas.openxmlformats.org/officeDocument/2006/relationships" xmlns:p="http://schemas.openxmlformats.org/presentationml/2006/main">
+  <p:cSld>
+    <p:spTree>
+      <p:nvGrpSpPr>
+        <p:cNvPr id="1" name=""/>
+        <p:cNvGrpSpPr/>
+        <p:nvPr/>
+      </p:nvGrpSpPr>
+      <p:grpSpPr>
+        <a:xfrm>
+          <a:off x="0" y="0"/>
+          <a:ext cx="0" cy="0"/>
+          <a:chOff x="0" y="0"/>
+          <a:chExt cx="0" cy="0"/>
+        </a:xfrm>
+      </p:grpSpPr>
+      <p:sp>
+        <p:nvSpPr>
+          <p:cNvPr id="2" name="Slide Text"/>
+          <p:cNvSpPr>
+            <a:spLocks noGrp="1"/>
+          </p:cNvSpPr>
+          <p:nvPr>
+            <p:ph type="body" idx="1"/>
+          </p:nvPr>
+        </p:nvSpPr>
+        <p:spPr/>
+        <p:txBody>
+          <a:bodyPr/>
+          <a:lstStyle/>
+          <a:p>
+            <a:r>
+              <a:rPr b="1" dirty="0"/>
+              <a:t>slicer</a:t>
+            </a:r>
+            <a:endParaRPr dirty="0"/>
+          </a:p>
+          <a:p>
+            <a:r>
+              <a:rPr b="0" dirty="0"/>
+              <a:t>No alt text provided</a:t>
+            </a:r>
+            <a:endParaRPr dirty="0"/>
+          </a:p>
+          <a:p>
+            <a:endParaRPr dirty="0"/>
+          </a:p>
+          <a:p>
+            <a:r>
+              <a:rPr b="1" dirty="0"/>
+              <a:t>slicer</a:t>
+            </a:r>
+            <a:endParaRPr dirty="0"/>
+          </a:p>
+          <a:p>
+            <a:r>
+              <a:rPr b="0" dirty="0"/>
+              <a:t>No alt text provided</a:t>
+            </a:r>
+            <a:endParaRPr dirty="0"/>
+          </a:p>
+          <a:p>
+            <a:endParaRPr dirty="0"/>
+          </a:p>
+          <a:p>
+            <a:r>
+              <a:rPr b="1" dirty="0"/>
+              <a:t>slicer</a:t>
+            </a:r>
+            <a:endParaRPr dirty="0"/>
+          </a:p>
+          <a:p>
+            <a:r>
+              <a:rPr b="0" dirty="0"/>
+              <a:t>No alt text provided</a:t>
+            </a:r>
+            <a:endParaRPr dirty="0"/>
+          </a:p>
+          <a:p>
+            <a:endParaRPr dirty="0"/>
+          </a:p>
+          <a:p>
             <a:r>
               <a:rPr b="1" dirty="0"/>
               <a:t>Know more about your business data</a:t>
             </a:r>
             <a:endParaRPr dirty="0"/>
           </a:p>
-          <a:p xmlns:a="http://schemas.openxmlformats.org/drawingml/2006/main">
+          <a:p>
             <a:r>
               <a:rPr b="0" dirty="0"/>
               <a:t>No alt text provided</a:t>
             </a:r>
             <a:endParaRPr dirty="0"/>
           </a:p>
-          <a:p xmlns:a="http://schemas.openxmlformats.org/drawingml/2006/main">
-            <a:r>
-              <a:rPr b="0" dirty="0"/>
-              <a:t/>
-            </a:r>
-            <a:endParaRPr dirty="0"/>
-          </a:p>
-          <a:p xmlns:a="http://schemas.openxmlformats.org/drawingml/2006/main">
+          <a:p>
+            <a:endParaRPr dirty="0"/>
+          </a:p>
+          <a:p>
             <a:r>
               <a:rPr b="1" dirty="0"/>
               <a:t>azureMap</a:t>
             </a:r>
             <a:endParaRPr dirty="0"/>
           </a:p>
-          <a:p xmlns:a="http://schemas.openxmlformats.org/drawingml/2006/main">
+          <a:p>
             <a:r>
               <a:rPr b="0" dirty="0"/>
               <a:t>No alt text provided</a:t>
             </a:r>
             <a:endParaRPr dirty="0"/>
           </a:p>
-          <a:p xmlns:a="http://schemas.openxmlformats.org/drawingml/2006/main">
-            <a:r>
-              <a:rPr b="0" dirty="0"/>
-              <a:t/>
-            </a:r>
-            <a:endParaRPr dirty="0"/>
-          </a:p>
-          <a:p xmlns:a="http://schemas.openxmlformats.org/drawingml/2006/main">
+          <a:p>
+            <a:endParaRPr dirty="0"/>
+          </a:p>
+          <a:p>
             <a:r>
               <a:rPr b="1" dirty="0"/>
               <a:t>card</a:t>
             </a:r>
             <a:endParaRPr dirty="0"/>
           </a:p>
-          <a:p xmlns:a="http://schemas.openxmlformats.org/drawingml/2006/main">
+          <a:p>
             <a:r>
               <a:rPr b="0" dirty="0"/>
               <a:t>No alt text provided</a:t>
             </a:r>
             <a:endParaRPr dirty="0"/>
           </a:p>
-          <a:p xmlns:a="http://schemas.openxmlformats.org/drawingml/2006/main">
-            <a:r>
-              <a:rPr b="0" dirty="0"/>
-              <a:t/>
-            </a:r>
-            <a:endParaRPr dirty="0"/>
-          </a:p>
-          <a:p xmlns:a="http://schemas.openxmlformats.org/drawingml/2006/main">
+          <a:p>
+            <a:endParaRPr dirty="0"/>
+          </a:p>
+          <a:p>
             <a:r>
               <a:rPr b="1" dirty="0"/>
               <a:t>textbox</a:t>
             </a:r>
             <a:endParaRPr dirty="0"/>
           </a:p>
-          <a:p xmlns:a="http://schemas.openxmlformats.org/drawingml/2006/main">
+          <a:p>
             <a:r>
               <a:rPr b="0" dirty="0"/>
               <a:t>No alt text provided</a:t>
             </a:r>
             <a:endParaRPr dirty="0"/>
           </a:p>
-          <a:p xmlns:a="http://schemas.openxmlformats.org/drawingml/2006/main">
-            <a:r>
-              <a:rPr b="0" dirty="0"/>
-              <a:t/>
-            </a:r>
-            <a:endParaRPr dirty="0"/>
-          </a:p>
-          <a:p xmlns:a="http://schemas.openxmlformats.org/drawingml/2006/main">
+          <a:p>
+            <a:endParaRPr dirty="0"/>
+          </a:p>
+          <a:p>
             <a:r>
               <a:rPr b="1" dirty="0"/>
               <a:t>shape</a:t>
             </a:r>
             <a:endParaRPr dirty="0"/>
           </a:p>
-          <a:p xmlns:a="http://schemas.openxmlformats.org/drawingml/2006/main">
+          <a:p>
             <a:r>
               <a:rPr b="0" dirty="0"/>
               <a:t>No alt text provided</a:t>
             </a:r>
             <a:endParaRPr dirty="0"/>
           </a:p>
-          <a:p xmlns:a="http://schemas.openxmlformats.org/drawingml/2006/main">
-            <a:r>
-              <a:rPr b="0" dirty="0"/>
-              <a:t/>
-            </a:r>
+          <a:p>
             <a:endParaRPr dirty="0"/>
           </a:p>
         </p:txBody>
       </p:sp>
     </p:spTree>
-    <p:clrMapOvr>
-      <a:masterClrMapping xmlns:a="http://schemas.openxmlformats.org/drawingml/2006/main"/>
-    </p:clrMapOvr>
   </p:cSld>
+  <p:clrMapOvr>
+    <a:masterClrMapping/>
+  </p:clrMapOvr>
 </p:notes>
 </file>
 
@@ -899,7 +1348,7 @@
           <a:p>
             <a:fld id="{627ED9C8-F09A-4D9E-BEC0-4725162E21FF}" type="datetimeFigureOut">
               <a:rPr lang="en-US" smtClean="0"/>
-              <a:t>11/25/2020</a:t>
+              <a:t>6/10/2025</a:t>
             </a:fld>
             <a:endParaRPr lang="en-US"/>
           </a:p>
@@ -1067,7 +1516,7 @@
           <a:p>
             <a:fld id="{627ED9C8-F09A-4D9E-BEC0-4725162E21FF}" type="datetimeFigureOut">
               <a:rPr lang="en-US" smtClean="0"/>
-              <a:t>11/25/2020</a:t>
+              <a:t>6/10/2025</a:t>
             </a:fld>
             <a:endParaRPr lang="en-US"/>
           </a:p>
@@ -1245,7 +1694,7 @@
           <a:p>
             <a:fld id="{627ED9C8-F09A-4D9E-BEC0-4725162E21FF}" type="datetimeFigureOut">
               <a:rPr lang="en-US" smtClean="0"/>
-              <a:t>11/25/2020</a:t>
+              <a:t>6/10/2025</a:t>
             </a:fld>
             <a:endParaRPr lang="en-US"/>
           </a:p>
@@ -1413,7 +1862,7 @@
           <a:p>
             <a:fld id="{627ED9C8-F09A-4D9E-BEC0-4725162E21FF}" type="datetimeFigureOut">
               <a:rPr lang="en-US" smtClean="0"/>
-              <a:t>11/25/2020</a:t>
+              <a:t>6/10/2025</a:t>
             </a:fld>
             <a:endParaRPr lang="en-US"/>
           </a:p>
@@ -1658,7 +2107,7 @@
           <a:p>
             <a:fld id="{627ED9C8-F09A-4D9E-BEC0-4725162E21FF}" type="datetimeFigureOut">
               <a:rPr lang="en-US" smtClean="0"/>
-              <a:t>11/25/2020</a:t>
+              <a:t>6/10/2025</a:t>
             </a:fld>
             <a:endParaRPr lang="en-US"/>
           </a:p>
@@ -1887,7 +2336,7 @@
           <a:p>
             <a:fld id="{627ED9C8-F09A-4D9E-BEC0-4725162E21FF}" type="datetimeFigureOut">
               <a:rPr lang="en-US" smtClean="0"/>
-              <a:t>11/25/2020</a:t>
+              <a:t>6/10/2025</a:t>
             </a:fld>
             <a:endParaRPr lang="en-US"/>
           </a:p>
@@ -2251,7 +2700,7 @@
           <a:p>
             <a:fld id="{627ED9C8-F09A-4D9E-BEC0-4725162E21FF}" type="datetimeFigureOut">
               <a:rPr lang="en-US" smtClean="0"/>
-              <a:t>11/25/2020</a:t>
+              <a:t>6/10/2025</a:t>
             </a:fld>
             <a:endParaRPr lang="en-US"/>
           </a:p>
@@ -2368,7 +2817,7 @@
           <a:p>
             <a:fld id="{627ED9C8-F09A-4D9E-BEC0-4725162E21FF}" type="datetimeFigureOut">
               <a:rPr lang="en-US" smtClean="0"/>
-              <a:t>11/25/2020</a:t>
+              <a:t>6/10/2025</a:t>
             </a:fld>
             <a:endParaRPr lang="en-US"/>
           </a:p>
@@ -2463,7 +2912,7 @@
           <a:p>
             <a:fld id="{627ED9C8-F09A-4D9E-BEC0-4725162E21FF}" type="datetimeFigureOut">
               <a:rPr lang="en-US" smtClean="0"/>
-              <a:t>11/25/2020</a:t>
+              <a:t>6/10/2025</a:t>
             </a:fld>
             <a:endParaRPr lang="en-US"/>
           </a:p>
@@ -2738,7 +3187,7 @@
           <a:p>
             <a:fld id="{627ED9C8-F09A-4D9E-BEC0-4725162E21FF}" type="datetimeFigureOut">
               <a:rPr lang="en-US" smtClean="0"/>
-              <a:t>11/25/2020</a:t>
+              <a:t>6/10/2025</a:t>
             </a:fld>
             <a:endParaRPr lang="en-US"/>
           </a:p>
@@ -2990,7 +3439,7 @@
           <a:p>
             <a:fld id="{627ED9C8-F09A-4D9E-BEC0-4725162E21FF}" type="datetimeFigureOut">
               <a:rPr lang="en-US" smtClean="0"/>
-              <a:t>11/25/2020</a:t>
+              <a:t>6/10/2025</a:t>
             </a:fld>
             <a:endParaRPr lang="en-US"/>
           </a:p>
@@ -3052,7 +3501,7 @@
 </file>
 
 <file path=ppt/slideMasters/slideMaster1.xml><?xml version="1.0" encoding="utf-8"?>
-<p:sldMaster xmlns:p14="http://schemas.microsoft.com/office/powerpoint/2010/main" xmlns:a="http://schemas.openxmlformats.org/drawingml/2006/main" xmlns:r="http://schemas.openxmlformats.org/officeDocument/2006/relationships" xmlns:p="http://schemas.openxmlformats.org/presentationml/2006/main" preserve="1">
+<p:sldMaster xmlns:a="http://schemas.openxmlformats.org/drawingml/2006/main" xmlns:r="http://schemas.openxmlformats.org/officeDocument/2006/relationships" xmlns:p="http://schemas.openxmlformats.org/presentationml/2006/main" preserve="1">
   <p:cSld>
     <p:bg>
       <p:bgRef idx="1001">
@@ -3201,7 +3650,7 @@
           <a:p>
             <a:fld id="{627ED9C8-F09A-4D9E-BEC0-4725162E21FF}" type="datetimeFigureOut">
               <a:rPr lang="en-US" smtClean="0"/>
-              <a:t>11/25/2020</a:t>
+              <a:t>6/10/2025</a:t>
             </a:fld>
             <a:endParaRPr lang="en-US"/>
           </a:p>
@@ -3590,7 +4039,7 @@
 </file>
 
 <file path=ppt/slides/slide1.xml><?xml version="1.0" encoding="utf-8"?>
-<p:sld xmlns:adec="http://schemas.microsoft.com/office/drawing/2017/decorative" xmlns:a14="http://schemas.microsoft.com/office/drawing/2010/main" xmlns:p14="http://schemas.microsoft.com/office/powerpoint/2010/main" xmlns:a="http://schemas.openxmlformats.org/drawingml/2006/main" xmlns:r="http://schemas.openxmlformats.org/officeDocument/2006/relationships" xmlns:p="http://schemas.openxmlformats.org/presentationml/2006/main">
+<p:sld xmlns:a="http://schemas.openxmlformats.org/drawingml/2006/main" xmlns:r="http://schemas.openxmlformats.org/officeDocument/2006/relationships" xmlns:p="http://schemas.openxmlformats.org/presentationml/2006/main">
   <p:cSld>
     <p:bg>
       <p:bgPr>
@@ -3961,7 +4410,7 @@
                 <a:solidFill>
                   <a:schemeClr val="bg1"/>
                 </a:solidFill>
-                <a:hlinkClick r:id="coverSlideHpLink"/>
+                <a:hlinkClick r:id="rId3"/>
               </a:rPr>
               <a:t>View in Power BI</a:t>
             </a:r>
@@ -4167,7 +4616,590 @@
 </file>
 
 <file path=ppt/slides/slide2.xml><?xml version="1.0" encoding="utf-8"?>
-<p:sld xmlns:p="http://schemas.openxmlformats.org/presentationml/2006/main">
+<p:sld xmlns:a="http://schemas.openxmlformats.org/drawingml/2006/main" xmlns:r="http://schemas.openxmlformats.org/officeDocument/2006/relationships" xmlns:p="http://schemas.openxmlformats.org/presentationml/2006/main">
+  <p:cSld>
+    <p:bg>
+      <p:bgPr>
+        <a:solidFill>
+          <a:schemeClr val="tx1"/>
+        </a:solidFill>
+        <a:effectLst/>
+      </p:bgPr>
+    </p:bg>
+    <p:spTree>
+      <p:nvGrpSpPr>
+        <p:cNvPr id="1" name="">
+          <a:extLst>
+            <a:ext uri="{FF2B5EF4-FFF2-40B4-BE49-F238E27FC236}">
+              <a16:creationId xmlns:a16="http://schemas.microsoft.com/office/drawing/2014/main" id="{58DF162D-17C4-69CE-E890-E72B96CDB426}"/>
+            </a:ext>
+          </a:extLst>
+        </p:cNvPr>
+        <p:cNvGrpSpPr/>
+        <p:nvPr/>
+      </p:nvGrpSpPr>
+      <p:grpSpPr>
+        <a:xfrm>
+          <a:off x="0" y="0"/>
+          <a:ext cx="0" cy="0"/>
+          <a:chOff x="0" y="0"/>
+          <a:chExt cx="0" cy="0"/>
+        </a:xfrm>
+      </p:grpSpPr>
+      <p:pic>
+        <p:nvPicPr>
+          <p:cNvPr id="9" name="Picture 8">
+            <a:extLst>
+              <a:ext uri="{FF2B5EF4-FFF2-40B4-BE49-F238E27FC236}">
+                <a16:creationId xmlns:a16="http://schemas.microsoft.com/office/drawing/2014/main" id="{57BE80CD-1B03-6442-3B49-21CFA7B185EB}"/>
+              </a:ext>
+              <a:ext uri="{C183D7F6-B498-43B3-948B-1728B52AA6E4}">
+                <adec:decorative xmlns:adec="http://schemas.microsoft.com/office/drawing/2017/decorative" val="1"/>
+              </a:ext>
+            </a:extLst>
+          </p:cNvPr>
+          <p:cNvPicPr>
+            <a:picLocks noChangeAspect="1"/>
+          </p:cNvPicPr>
+          <p:nvPr/>
+        </p:nvPicPr>
+        <p:blipFill>
+          <a:blip r:embed="rId3">
+            <a:extLst>
+              <a:ext uri="{28A0092B-C50C-407E-A947-70E740481C1C}">
+                <a14:useLocalDpi xmlns:a14="http://schemas.microsoft.com/office/drawing/2010/main" val="0"/>
+              </a:ext>
+            </a:extLst>
+          </a:blip>
+          <a:stretch>
+            <a:fillRect/>
+          </a:stretch>
+        </p:blipFill>
+        <p:spPr>
+          <a:xfrm>
+            <a:off x="0" y="0"/>
+            <a:ext cx="12192000" cy="6858000"/>
+          </a:xfrm>
+          <a:prstGeom prst="rect">
+            <a:avLst/>
+          </a:prstGeom>
+        </p:spPr>
+      </p:pic>
+      <p:pic>
+        <p:nvPicPr>
+          <p:cNvPr id="16" name="Picture 15" descr="Microsoft Power BI">
+            <a:extLst>
+              <a:ext uri="{FF2B5EF4-FFF2-40B4-BE49-F238E27FC236}">
+                <a16:creationId xmlns:a16="http://schemas.microsoft.com/office/drawing/2014/main" id="{D0A8015A-F0E7-2975-69E9-B7AA3BDD8DF8}"/>
+              </a:ext>
+            </a:extLst>
+          </p:cNvPr>
+          <p:cNvPicPr>
+            <a:picLocks noChangeAspect="1"/>
+          </p:cNvPicPr>
+          <p:nvPr/>
+        </p:nvPicPr>
+        <p:blipFill>
+          <a:blip r:embed="rId4">
+            <a:extLst>
+              <a:ext uri="{28A0092B-C50C-407E-A947-70E740481C1C}">
+                <a14:useLocalDpi xmlns:a14="http://schemas.microsoft.com/office/drawing/2010/main" val="0"/>
+              </a:ext>
+            </a:extLst>
+          </a:blip>
+          <a:stretch>
+            <a:fillRect/>
+          </a:stretch>
+        </p:blipFill>
+        <p:spPr>
+          <a:xfrm>
+            <a:off x="923544" y="722376"/>
+            <a:ext cx="1490690" cy="245805"/>
+          </a:xfrm>
+          <a:prstGeom prst="rect">
+            <a:avLst/>
+          </a:prstGeom>
+        </p:spPr>
+      </p:pic>
+      <p:sp>
+        <p:nvSpPr>
+          <p:cNvPr id="3" name="Content Placeholder 2">
+            <a:extLst>
+              <a:ext uri="{FF2B5EF4-FFF2-40B4-BE49-F238E27FC236}">
+                <a16:creationId xmlns:a16="http://schemas.microsoft.com/office/drawing/2014/main" id="{1BDF2F12-4451-BEA1-49A4-D86FEE42EE1C}"/>
+              </a:ext>
+            </a:extLst>
+          </p:cNvPr>
+          <p:cNvSpPr>
+            <a:spLocks noGrp="1"/>
+          </p:cNvSpPr>
+          <p:nvPr>
+            <p:ph idx="1"/>
+          </p:nvPr>
+        </p:nvSpPr>
+        <p:spPr>
+          <a:xfrm>
+            <a:off x="923544" y="1696863"/>
+            <a:ext cx="10515600" cy="3736449"/>
+          </a:xfrm>
+        </p:spPr>
+        <p:txBody>
+          <a:bodyPr>
+            <a:normAutofit/>
+          </a:bodyPr>
+          <a:lstStyle/>
+          <a:p>
+            <a:pPr marL="0" indent="0">
+              <a:buNone/>
+            </a:pPr>
+            <a:r>
+              <a:rPr lang="en-US" sz="2000" b="1" dirty="0">
+                <a:solidFill>
+                  <a:schemeClr val="bg1"/>
+                </a:solidFill>
+              </a:rPr>
+              <a:t>Overview </a:t>
+            </a:r>
+          </a:p>
+          <a:p>
+            <a:r>
+              <a:rPr lang="en-US" sz="2000" dirty="0">
+                <a:solidFill>
+                  <a:schemeClr val="bg1"/>
+                </a:solidFill>
+              </a:rPr>
+              <a:t>In this project, we will create a mini-project on the “Super Store Sales” data set. </a:t>
+            </a:r>
+          </a:p>
+          <a:p>
+            <a:pPr marL="0" indent="0">
+              <a:buNone/>
+            </a:pPr>
+            <a:endParaRPr lang="en-US" sz="2000" dirty="0">
+              <a:solidFill>
+                <a:schemeClr val="bg1"/>
+              </a:solidFill>
+            </a:endParaRPr>
+          </a:p>
+          <a:p>
+            <a:pPr marL="0" indent="0">
+              <a:buNone/>
+            </a:pPr>
+            <a:r>
+              <a:rPr lang="en-US" sz="2000" b="1" dirty="0">
+                <a:solidFill>
+                  <a:schemeClr val="bg1"/>
+                </a:solidFill>
+              </a:rPr>
+              <a:t>Situation</a:t>
+            </a:r>
+            <a:r>
+              <a:rPr lang="en-US" sz="2000" dirty="0">
+                <a:solidFill>
+                  <a:schemeClr val="bg1"/>
+                </a:solidFill>
+              </a:rPr>
+              <a:t> </a:t>
+            </a:r>
+          </a:p>
+          <a:p>
+            <a:r>
+              <a:rPr lang="en-US" sz="2000" dirty="0">
+                <a:solidFill>
+                  <a:schemeClr val="bg1"/>
+                </a:solidFill>
+              </a:rPr>
+              <a:t>Global Super Store is an online supergiant store that has worldwide operations. This store takes orders and delivers products across the globe and deals with all the major product categories like furniture, office supplies and technology, and so on. </a:t>
+            </a:r>
+          </a:p>
+          <a:p>
+            <a:r>
+              <a:rPr lang="en-US" sz="2000" dirty="0">
+                <a:solidFill>
+                  <a:schemeClr val="bg1"/>
+                </a:solidFill>
+              </a:rPr>
+              <a:t>As a Sales Manager of this store, you want to analyze the sales of the products based on provided historical data, this analysis will help you to plan your inventory and business processes accordingly. Also, to know the products and customer’s behavior. </a:t>
+            </a:r>
+            <a:endParaRPr lang="en-NL" sz="2000" dirty="0">
+              <a:solidFill>
+                <a:schemeClr val="bg1"/>
+              </a:solidFill>
+            </a:endParaRPr>
+          </a:p>
+        </p:txBody>
+      </p:sp>
+    </p:spTree>
+    <p:extLst>
+      <p:ext uri="{BB962C8B-B14F-4D97-AF65-F5344CB8AC3E}">
+        <p14:creationId xmlns:p14="http://schemas.microsoft.com/office/powerpoint/2010/main" val="1951045337"/>
+      </p:ext>
+    </p:extLst>
+  </p:cSld>
+  <p:clrMapOvr>
+    <a:masterClrMapping/>
+  </p:clrMapOvr>
+</p:sld>
+</file>
+
+<file path=ppt/slides/slide3.xml><?xml version="1.0" encoding="utf-8"?>
+<p:sld xmlns:a="http://schemas.openxmlformats.org/drawingml/2006/main" xmlns:r="http://schemas.openxmlformats.org/officeDocument/2006/relationships" xmlns:p="http://schemas.openxmlformats.org/presentationml/2006/main">
+  <p:cSld>
+    <p:bg>
+      <p:bgPr>
+        <a:solidFill>
+          <a:schemeClr val="tx1"/>
+        </a:solidFill>
+        <a:effectLst/>
+      </p:bgPr>
+    </p:bg>
+    <p:spTree>
+      <p:nvGrpSpPr>
+        <p:cNvPr id="1" name="">
+          <a:extLst>
+            <a:ext uri="{FF2B5EF4-FFF2-40B4-BE49-F238E27FC236}">
+              <a16:creationId xmlns:a16="http://schemas.microsoft.com/office/drawing/2014/main" id="{8125023C-A51C-7137-D604-FD4F264F505A}"/>
+            </a:ext>
+          </a:extLst>
+        </p:cNvPr>
+        <p:cNvGrpSpPr/>
+        <p:nvPr/>
+      </p:nvGrpSpPr>
+      <p:grpSpPr>
+        <a:xfrm>
+          <a:off x="0" y="0"/>
+          <a:ext cx="0" cy="0"/>
+          <a:chOff x="0" y="0"/>
+          <a:chExt cx="0" cy="0"/>
+        </a:xfrm>
+      </p:grpSpPr>
+      <p:pic>
+        <p:nvPicPr>
+          <p:cNvPr id="9" name="Picture 8">
+            <a:extLst>
+              <a:ext uri="{FF2B5EF4-FFF2-40B4-BE49-F238E27FC236}">
+                <a16:creationId xmlns:a16="http://schemas.microsoft.com/office/drawing/2014/main" id="{FB17962A-751E-72BE-F53B-7BC9AF8B4199}"/>
+              </a:ext>
+              <a:ext uri="{C183D7F6-B498-43B3-948B-1728B52AA6E4}">
+                <adec:decorative xmlns:adec="http://schemas.microsoft.com/office/drawing/2017/decorative" val="1"/>
+              </a:ext>
+            </a:extLst>
+          </p:cNvPr>
+          <p:cNvPicPr>
+            <a:picLocks noChangeAspect="1"/>
+          </p:cNvPicPr>
+          <p:nvPr/>
+        </p:nvPicPr>
+        <p:blipFill>
+          <a:blip r:embed="rId3">
+            <a:extLst>
+              <a:ext uri="{28A0092B-C50C-407E-A947-70E740481C1C}">
+                <a14:useLocalDpi xmlns:a14="http://schemas.microsoft.com/office/drawing/2010/main" val="0"/>
+              </a:ext>
+            </a:extLst>
+          </a:blip>
+          <a:stretch>
+            <a:fillRect/>
+          </a:stretch>
+        </p:blipFill>
+        <p:spPr>
+          <a:xfrm>
+            <a:off x="0" y="0"/>
+            <a:ext cx="12192000" cy="6858000"/>
+          </a:xfrm>
+          <a:prstGeom prst="rect">
+            <a:avLst/>
+          </a:prstGeom>
+        </p:spPr>
+      </p:pic>
+      <p:pic>
+        <p:nvPicPr>
+          <p:cNvPr id="16" name="Picture 15" descr="Microsoft Power BI">
+            <a:extLst>
+              <a:ext uri="{FF2B5EF4-FFF2-40B4-BE49-F238E27FC236}">
+                <a16:creationId xmlns:a16="http://schemas.microsoft.com/office/drawing/2014/main" id="{90B21BA5-DAC8-B2D6-C06A-F41EC1EE93A2}"/>
+              </a:ext>
+            </a:extLst>
+          </p:cNvPr>
+          <p:cNvPicPr>
+            <a:picLocks noChangeAspect="1"/>
+          </p:cNvPicPr>
+          <p:nvPr/>
+        </p:nvPicPr>
+        <p:blipFill>
+          <a:blip r:embed="rId4">
+            <a:extLst>
+              <a:ext uri="{28A0092B-C50C-407E-A947-70E740481C1C}">
+                <a14:useLocalDpi xmlns:a14="http://schemas.microsoft.com/office/drawing/2010/main" val="0"/>
+              </a:ext>
+            </a:extLst>
+          </a:blip>
+          <a:stretch>
+            <a:fillRect/>
+          </a:stretch>
+        </p:blipFill>
+        <p:spPr>
+          <a:xfrm>
+            <a:off x="923544" y="722376"/>
+            <a:ext cx="1490690" cy="245805"/>
+          </a:xfrm>
+          <a:prstGeom prst="rect">
+            <a:avLst/>
+          </a:prstGeom>
+        </p:spPr>
+      </p:pic>
+      <p:sp>
+        <p:nvSpPr>
+          <p:cNvPr id="3" name="Content Placeholder 2">
+            <a:extLst>
+              <a:ext uri="{FF2B5EF4-FFF2-40B4-BE49-F238E27FC236}">
+                <a16:creationId xmlns:a16="http://schemas.microsoft.com/office/drawing/2014/main" id="{A9FD3E06-2918-35A6-3850-E669FFF42C1A}"/>
+              </a:ext>
+            </a:extLst>
+          </p:cNvPr>
+          <p:cNvSpPr>
+            <a:spLocks noGrp="1"/>
+          </p:cNvSpPr>
+          <p:nvPr>
+            <p:ph idx="1"/>
+          </p:nvPr>
+        </p:nvSpPr>
+        <p:spPr>
+          <a:xfrm>
+            <a:off x="923544" y="1570334"/>
+            <a:ext cx="10515600" cy="4660286"/>
+          </a:xfrm>
+        </p:spPr>
+        <p:txBody>
+          <a:bodyPr>
+            <a:normAutofit fontScale="55000" lnSpcReduction="20000"/>
+          </a:bodyPr>
+          <a:lstStyle/>
+          <a:p>
+            <a:pPr marL="0" indent="0">
+              <a:buNone/>
+            </a:pPr>
+            <a:r>
+              <a:rPr lang="en-US" sz="4400" b="1" dirty="0">
+                <a:solidFill>
+                  <a:schemeClr val="bg1"/>
+                </a:solidFill>
+              </a:rPr>
+              <a:t>Tasks </a:t>
+            </a:r>
+          </a:p>
+          <a:p>
+            <a:pPr marL="0" indent="0">
+              <a:buNone/>
+            </a:pPr>
+            <a:r>
+              <a:rPr lang="en-US" sz="3300" dirty="0">
+                <a:solidFill>
+                  <a:schemeClr val="bg1"/>
+                </a:solidFill>
+              </a:rPr>
+              <a:t>1. Load data from the provided data sources (</a:t>
+            </a:r>
+            <a:r>
+              <a:rPr lang="en-US" sz="3300" i="1" dirty="0">
+                <a:solidFill>
+                  <a:schemeClr val="bg1"/>
+                </a:solidFill>
+              </a:rPr>
+              <a:t>excel </a:t>
+            </a:r>
+            <a:r>
+              <a:rPr lang="en-US" sz="3300" dirty="0">
+                <a:solidFill>
+                  <a:schemeClr val="bg1"/>
+                </a:solidFill>
+              </a:rPr>
+              <a:t>workbooks). </a:t>
+            </a:r>
+          </a:p>
+          <a:p>
+            <a:pPr marL="0" indent="0">
+              <a:buNone/>
+            </a:pPr>
+            <a:r>
+              <a:rPr lang="en-US" sz="3300" dirty="0">
+                <a:solidFill>
+                  <a:schemeClr val="bg1"/>
+                </a:solidFill>
+              </a:rPr>
+              <a:t>2. Perform the required data transformations in the Power Query Editor window. </a:t>
+            </a:r>
+          </a:p>
+          <a:p>
+            <a:pPr marL="0" indent="0">
+              <a:buNone/>
+            </a:pPr>
+            <a:r>
+              <a:rPr lang="en-US" sz="3300" dirty="0">
+                <a:solidFill>
+                  <a:schemeClr val="bg1"/>
+                </a:solidFill>
+              </a:rPr>
+              <a:t>3. Create the relationships between the loaded tables. </a:t>
+            </a:r>
+          </a:p>
+          <a:p>
+            <a:pPr marL="0" indent="0">
+              <a:buNone/>
+            </a:pPr>
+            <a:r>
+              <a:rPr lang="en-US" sz="3300" dirty="0">
+                <a:solidFill>
+                  <a:schemeClr val="bg1"/>
+                </a:solidFill>
+              </a:rPr>
+              <a:t>4. Create the required measures for key performance indicators like Sales, Profit, and Ratio. </a:t>
+            </a:r>
+          </a:p>
+          <a:p>
+            <a:pPr marL="0" indent="0">
+              <a:buNone/>
+            </a:pPr>
+            <a:r>
+              <a:rPr lang="en-US" sz="3300" dirty="0">
+                <a:solidFill>
+                  <a:schemeClr val="bg1"/>
+                </a:solidFill>
+              </a:rPr>
+              <a:t>5. Use the visuals as per the provided design to plot dimensions like Category, Year, Region, Market, </a:t>
+            </a:r>
+          </a:p>
+          <a:p>
+            <a:pPr marL="0" indent="0">
+              <a:buNone/>
+            </a:pPr>
+            <a:r>
+              <a:rPr lang="en-US" sz="3300" dirty="0">
+                <a:solidFill>
+                  <a:schemeClr val="bg1"/>
+                </a:solidFill>
+              </a:rPr>
+              <a:t>    Sub-category, Manager, and so on. Add key slicers to slice and dice data in the visuals. </a:t>
+            </a:r>
+          </a:p>
+          <a:p>
+            <a:pPr marL="0" indent="0">
+              <a:buNone/>
+            </a:pPr>
+            <a:r>
+              <a:rPr lang="en-US" sz="3300" dirty="0">
+                <a:solidFill>
+                  <a:schemeClr val="bg1"/>
+                </a:solidFill>
+              </a:rPr>
+              <a:t>6. Train the Q&amp;A data model for the below synonyms: </a:t>
+            </a:r>
+          </a:p>
+          <a:p>
+            <a:pPr marL="0" indent="0">
+              <a:buNone/>
+            </a:pPr>
+            <a:r>
+              <a:rPr lang="en-US" sz="3300" dirty="0">
+                <a:solidFill>
+                  <a:schemeClr val="bg1"/>
+                </a:solidFill>
+              </a:rPr>
+              <a:t>     Revenue: Sales </a:t>
+            </a:r>
+          </a:p>
+          <a:p>
+            <a:pPr marL="0" indent="0">
+              <a:buNone/>
+            </a:pPr>
+            <a:r>
+              <a:rPr lang="en-US" sz="3300" dirty="0">
+                <a:solidFill>
+                  <a:schemeClr val="bg1"/>
+                </a:solidFill>
+              </a:rPr>
+              <a:t>     Income: Profit </a:t>
+            </a:r>
+          </a:p>
+          <a:p>
+            <a:pPr marL="0" indent="0">
+              <a:buNone/>
+            </a:pPr>
+            <a:r>
+              <a:rPr lang="en-US" sz="3300" dirty="0">
+                <a:solidFill>
+                  <a:schemeClr val="bg1"/>
+                </a:solidFill>
+              </a:rPr>
+              <a:t>     Income Percentage: Profit Ratio </a:t>
+            </a:r>
+          </a:p>
+          <a:p>
+            <a:pPr marL="0" indent="0">
+              <a:buNone/>
+            </a:pPr>
+            <a:r>
+              <a:rPr lang="en-US" sz="3300" dirty="0">
+                <a:solidFill>
+                  <a:schemeClr val="bg1"/>
+                </a:solidFill>
+              </a:rPr>
+              <a:t>7. Managers should have restricted data access as per their market allocation by the organization. </a:t>
+            </a:r>
+          </a:p>
+          <a:p>
+            <a:pPr marL="0" indent="0">
+              <a:buNone/>
+            </a:pPr>
+            <a:r>
+              <a:rPr lang="en-US" sz="3300" dirty="0">
+                <a:solidFill>
+                  <a:schemeClr val="bg1"/>
+                </a:solidFill>
+              </a:rPr>
+              <a:t>    (Implement  RLS) </a:t>
+            </a:r>
+          </a:p>
+          <a:p>
+            <a:pPr marL="0" indent="0">
+              <a:buNone/>
+            </a:pPr>
+            <a:r>
+              <a:rPr lang="en-US" sz="3300" dirty="0">
+                <a:solidFill>
+                  <a:schemeClr val="bg1"/>
+                </a:solidFill>
+              </a:rPr>
+              <a:t>8. Publish a report in the Power BI Service and share it with other users of the same market role. </a:t>
+            </a:r>
+          </a:p>
+          <a:p>
+            <a:pPr marL="0" indent="0">
+              <a:buNone/>
+            </a:pPr>
+            <a:endParaRPr lang="en-NL" sz="2000" dirty="0">
+              <a:solidFill>
+                <a:schemeClr val="bg1"/>
+              </a:solidFill>
+            </a:endParaRPr>
+          </a:p>
+        </p:txBody>
+      </p:sp>
+    </p:spTree>
+    <p:extLst>
+      <p:ext uri="{BB962C8B-B14F-4D97-AF65-F5344CB8AC3E}">
+        <p14:creationId xmlns:p14="http://schemas.microsoft.com/office/powerpoint/2010/main" val="3931220261"/>
+      </p:ext>
+    </p:extLst>
+  </p:cSld>
+  <p:clrMapOvr>
+    <a:masterClrMapping/>
+  </p:clrMapOvr>
+</p:sld>
+</file>
+
+<file path=ppt/slides/slide4.xml><?xml version="1.0" encoding="utf-8"?>
+<p:sld xmlns:a="http://schemas.openxmlformats.org/drawingml/2006/main" xmlns:r="http://schemas.openxmlformats.org/officeDocument/2006/relationships" xmlns:p="http://schemas.openxmlformats.org/presentationml/2006/main">
   <p:cSld>
     <p:spTree>
       <p:nvGrpSpPr>
@@ -4175,39 +5207,46 @@
         <p:cNvGrpSpPr/>
         <p:nvPr/>
       </p:nvGrpSpPr>
-      <p:grpSpPr/>
+      <p:grpSpPr>
+        <a:xfrm>
+          <a:off x="0" y="0"/>
+          <a:ext cx="0" cy="0"/>
+          <a:chOff x="0" y="0"/>
+          <a:chExt cx="0" cy="0"/>
+        </a:xfrm>
+      </p:grpSpPr>
       <p:pic>
         <p:nvPicPr>
           <p:cNvPr id="3" name="Picture" title="This slide contains the following visuals: shape ,textbox ,card ,slicer ,slicer ,slicer ,clusteredColumnChart ,donutChart ,Region Contribution In Profit ,shape ,textbox ,Sales, Profit &amp; Profit Ratio by Sub Category ,#Returned Orders by Market ,Top 5 Regional Manager by Sales ,card ,cardVisual ,lineChart ,lineChart ,actionButton ,actionButton. Please refer to the notes on this slide for details">
-            <a:hlinkClick xmlns:r="http://schemas.openxmlformats.org/officeDocument/2006/relationships" xmlns:a="http://schemas.openxmlformats.org/drawingml/2006/main" r:id="RelId0"/>
+            <a:hlinkClick r:id="rId3"/>
           </p:cNvPr>
           <p:cNvPicPr>
-            <a:picLocks xmlns:a="http://schemas.openxmlformats.org/drawingml/2006/main" noChangeAspect="1"/>
+            <a:picLocks noChangeAspect="1"/>
           </p:cNvPicPr>
           <p:nvPr/>
         </p:nvPicPr>
         <p:blipFill>
-          <a:blip xmlns:r="http://schemas.openxmlformats.org/officeDocument/2006/relationships" xmlns:a="http://schemas.openxmlformats.org/drawingml/2006/main" r:embed="imgId90484732"/>
-          <a:stretch xmlns:a="http://schemas.openxmlformats.org/drawingml/2006/main">
+          <a:blip r:embed="rId4"/>
+          <a:stretch>
             <a:fillRect/>
           </a:stretch>
         </p:blipFill>
         <p:spPr>
-          <a:xfrm xmlns:a="http://schemas.openxmlformats.org/drawingml/2006/main">
+          <a:xfrm>
             <a:off x="76200" y="0"/>
             <a:ext cx="12020550" cy="6858000"/>
           </a:xfrm>
-          <a:prstGeom xmlns:a="http://schemas.openxmlformats.org/drawingml/2006/main" prst="rect">
+          <a:prstGeom prst="rect">
             <a:avLst/>
           </a:prstGeom>
-          <a:noFill xmlns:a="http://schemas.openxmlformats.org/drawingml/2006/main"/>
+          <a:noFill/>
         </p:spPr>
       </p:pic>
       <p:sp>
         <p:nvSpPr>
           <p:cNvPr id="4" name="Title" hidden="1"/>
           <p:cNvSpPr>
-            <a:spLocks xmlns:a="http://schemas.openxmlformats.org/drawingml/2006/main" noGrp="1"/>
+            <a:spLocks noGrp="1"/>
           </p:cNvSpPr>
           <p:nvPr>
             <p:ph type="title"/>
@@ -4215,9 +5254,9 @@
         </p:nvSpPr>
         <p:spPr/>
         <p:txBody>
-          <a:bodyPr xmlns:a="http://schemas.openxmlformats.org/drawingml/2006/main"/>
-          <a:lstStyle xmlns:a="http://schemas.openxmlformats.org/drawingml/2006/main"/>
-          <a:p xmlns:a="http://schemas.openxmlformats.org/drawingml/2006/main">
+          <a:bodyPr/>
+          <a:lstStyle/>
+          <a:p>
             <a:r>
               <a:t>Sales Summary</a:t>
             </a:r>
@@ -4225,15 +5264,15 @@
         </p:txBody>
       </p:sp>
     </p:spTree>
-    <p:clrMapOvr>
-      <a:masterClrMapping xmlns:a="http://schemas.openxmlformats.org/drawingml/2006/main"/>
-    </p:clrMapOvr>
   </p:cSld>
+  <p:clrMapOvr>
+    <a:masterClrMapping/>
+  </p:clrMapOvr>
 </p:sld>
 </file>
 
-<file path=ppt/slides/slide3.xml><?xml version="1.0" encoding="utf-8"?>
-<p:sld xmlns:p="http://schemas.openxmlformats.org/presentationml/2006/main">
+<file path=ppt/slides/slide5.xml><?xml version="1.0" encoding="utf-8"?>
+<p:sld xmlns:a="http://schemas.openxmlformats.org/drawingml/2006/main" xmlns:r="http://schemas.openxmlformats.org/officeDocument/2006/relationships" xmlns:p="http://schemas.openxmlformats.org/presentationml/2006/main">
   <p:cSld>
     <p:spTree>
       <p:nvGrpSpPr>
@@ -4241,39 +5280,46 @@
         <p:cNvGrpSpPr/>
         <p:nvPr/>
       </p:nvGrpSpPr>
-      <p:grpSpPr/>
+      <p:grpSpPr>
+        <a:xfrm>
+          <a:off x="0" y="0"/>
+          <a:ext cx="0" cy="0"/>
+          <a:chOff x="0" y="0"/>
+          <a:chExt cx="0" cy="0"/>
+        </a:xfrm>
+      </p:grpSpPr>
       <p:pic>
         <p:nvPicPr>
           <p:cNvPr id="3" name="Picture" title="This slide contains the following visuals: slicer ,slicer ,slicer ,Know more about your business data ,azureMap ,card ,textbox ,shape. Please refer to the notes on this slide for details">
-            <a:hlinkClick xmlns:r="http://schemas.openxmlformats.org/officeDocument/2006/relationships" xmlns:a="http://schemas.openxmlformats.org/drawingml/2006/main" r:id="RelId1"/>
+            <a:hlinkClick r:id="rId3"/>
           </p:cNvPr>
           <p:cNvPicPr>
-            <a:picLocks xmlns:a="http://schemas.openxmlformats.org/drawingml/2006/main" noChangeAspect="1"/>
+            <a:picLocks noChangeAspect="1"/>
           </p:cNvPicPr>
           <p:nvPr/>
         </p:nvPicPr>
         <p:blipFill>
-          <a:blip xmlns:r="http://schemas.openxmlformats.org/officeDocument/2006/relationships" xmlns:a="http://schemas.openxmlformats.org/drawingml/2006/main" r:embed="imgId90484733"/>
-          <a:stretch xmlns:a="http://schemas.openxmlformats.org/drawingml/2006/main">
+          <a:blip r:embed="rId4"/>
+          <a:stretch>
             <a:fillRect/>
           </a:stretch>
         </p:blipFill>
         <p:spPr>
-          <a:xfrm xmlns:a="http://schemas.openxmlformats.org/drawingml/2006/main">
+          <a:xfrm>
             <a:off x="76200" y="0"/>
             <a:ext cx="12020550" cy="6858000"/>
           </a:xfrm>
-          <a:prstGeom xmlns:a="http://schemas.openxmlformats.org/drawingml/2006/main" prst="rect">
+          <a:prstGeom prst="rect">
             <a:avLst/>
           </a:prstGeom>
-          <a:noFill xmlns:a="http://schemas.openxmlformats.org/drawingml/2006/main"/>
+          <a:noFill/>
         </p:spPr>
       </p:pic>
       <p:sp>
         <p:nvSpPr>
           <p:cNvPr id="4" name="Title" hidden="1"/>
           <p:cNvSpPr>
-            <a:spLocks xmlns:a="http://schemas.openxmlformats.org/drawingml/2006/main" noGrp="1"/>
+            <a:spLocks noGrp="1"/>
           </p:cNvSpPr>
           <p:nvPr>
             <p:ph type="title"/>
@@ -4281,9 +5327,9 @@
         </p:nvSpPr>
         <p:spPr/>
         <p:txBody>
-          <a:bodyPr xmlns:a="http://schemas.openxmlformats.org/drawingml/2006/main"/>
-          <a:lstStyle xmlns:a="http://schemas.openxmlformats.org/drawingml/2006/main"/>
-          <a:p xmlns:a="http://schemas.openxmlformats.org/drawingml/2006/main">
+          <a:bodyPr/>
+          <a:lstStyle/>
+          <a:p>
             <a:r>
               <a:t>Q&amp;A Analysis</a:t>
             </a:r>
@@ -4291,10 +5337,10 @@
         </p:txBody>
       </p:sp>
     </p:spTree>
-    <p:clrMapOvr>
-      <a:masterClrMapping xmlns:a="http://schemas.openxmlformats.org/drawingml/2006/main"/>
-    </p:clrMapOvr>
   </p:cSld>
+  <p:clrMapOvr>
+    <a:masterClrMapping/>
+  </p:clrMapOvr>
 </p:sld>
 </file>
 
@@ -4557,4 +5603,299 @@
     </a:ext>
   </a:extLst>
 </a:theme>
+</file>
+
+<file path=ppt/theme/theme2.xml><?xml version="1.0" encoding="utf-8"?>
+<a:theme xmlns:a="http://schemas.openxmlformats.org/drawingml/2006/main" name="Office Theme">
+  <a:themeElements>
+    <a:clrScheme name="Office">
+      <a:dk1>
+        <a:sysClr val="windowText" lastClr="000000"/>
+      </a:dk1>
+      <a:lt1>
+        <a:sysClr val="window" lastClr="FFFFFF"/>
+      </a:lt1>
+      <a:dk2>
+        <a:srgbClr val="44546A"/>
+      </a:dk2>
+      <a:lt2>
+        <a:srgbClr val="E7E6E6"/>
+      </a:lt2>
+      <a:accent1>
+        <a:srgbClr val="4472C4"/>
+      </a:accent1>
+      <a:accent2>
+        <a:srgbClr val="ED7D31"/>
+      </a:accent2>
+      <a:accent3>
+        <a:srgbClr val="A5A5A5"/>
+      </a:accent3>
+      <a:accent4>
+        <a:srgbClr val="FFC000"/>
+      </a:accent4>
+      <a:accent5>
+        <a:srgbClr val="5B9BD5"/>
+      </a:accent5>
+      <a:accent6>
+        <a:srgbClr val="70AD47"/>
+      </a:accent6>
+      <a:hlink>
+        <a:srgbClr val="0563C1"/>
+      </a:hlink>
+      <a:folHlink>
+        <a:srgbClr val="954F72"/>
+      </a:folHlink>
+    </a:clrScheme>
+    <a:fontScheme name="Office">
+      <a:majorFont>
+        <a:latin typeface="Calibri Light" panose="020F0302020204030204"/>
+        <a:ea typeface=""/>
+        <a:cs typeface=""/>
+        <a:font script="Jpan" typeface="游ゴシック Light"/>
+        <a:font script="Hang" typeface="맑은 고딕"/>
+        <a:font script="Hans" typeface="等线 Light"/>
+        <a:font script="Hant" typeface="新細明體"/>
+        <a:font script="Arab" typeface="Times New Roman"/>
+        <a:font script="Hebr" typeface="Times New Roman"/>
+        <a:font script="Thai" typeface="Angsana New"/>
+        <a:font script="Ethi" typeface="Nyala"/>
+        <a:font script="Beng" typeface="Vrinda"/>
+        <a:font script="Gujr" typeface="Shruti"/>
+        <a:font script="Khmr" typeface="MoolBoran"/>
+        <a:font script="Knda" typeface="Tunga"/>
+        <a:font script="Guru" typeface="Raavi"/>
+        <a:font script="Cans" typeface="Euphemia"/>
+        <a:font script="Cher" typeface="Plantagenet Cherokee"/>
+        <a:font script="Yiii" typeface="Microsoft Yi Baiti"/>
+        <a:font script="Tibt" typeface="Microsoft Himalaya"/>
+        <a:font script="Thaa" typeface="MV Boli"/>
+        <a:font script="Deva" typeface="Mangal"/>
+        <a:font script="Telu" typeface="Gautami"/>
+        <a:font script="Taml" typeface="Latha"/>
+        <a:font script="Syrc" typeface="Estrangelo Edessa"/>
+        <a:font script="Orya" typeface="Kalinga"/>
+        <a:font script="Mlym" typeface="Kartika"/>
+        <a:font script="Laoo" typeface="DokChampa"/>
+        <a:font script="Sinh" typeface="Iskoola Pota"/>
+        <a:font script="Mong" typeface="Mongolian Baiti"/>
+        <a:font script="Viet" typeface="Times New Roman"/>
+        <a:font script="Uigh" typeface="Microsoft Uighur"/>
+        <a:font script="Geor" typeface="Sylfaen"/>
+        <a:font script="Armn" typeface="Arial"/>
+        <a:font script="Bugi" typeface="Leelawadee UI"/>
+        <a:font script="Bopo" typeface="Microsoft JhengHei"/>
+        <a:font script="Java" typeface="Javanese Text"/>
+        <a:font script="Lisu" typeface="Segoe UI"/>
+        <a:font script="Mymr" typeface="Myanmar Text"/>
+        <a:font script="Nkoo" typeface="Ebrima"/>
+        <a:font script="Olck" typeface="Nirmala UI"/>
+        <a:font script="Osma" typeface="Ebrima"/>
+        <a:font script="Phag" typeface="Phagspa"/>
+        <a:font script="Syrn" typeface="Estrangelo Edessa"/>
+        <a:font script="Syrj" typeface="Estrangelo Edessa"/>
+        <a:font script="Syre" typeface="Estrangelo Edessa"/>
+        <a:font script="Sora" typeface="Nirmala UI"/>
+        <a:font script="Tale" typeface="Microsoft Tai Le"/>
+        <a:font script="Talu" typeface="Microsoft New Tai Lue"/>
+        <a:font script="Tfng" typeface="Ebrima"/>
+      </a:majorFont>
+      <a:minorFont>
+        <a:latin typeface="Calibri" panose="020F0502020204030204"/>
+        <a:ea typeface=""/>
+        <a:cs typeface=""/>
+        <a:font script="Jpan" typeface="游ゴシック"/>
+        <a:font script="Hang" typeface="맑은 고딕"/>
+        <a:font script="Hans" typeface="等线"/>
+        <a:font script="Hant" typeface="新細明體"/>
+        <a:font script="Arab" typeface="Arial"/>
+        <a:font script="Hebr" typeface="Arial"/>
+        <a:font script="Thai" typeface="Cordia New"/>
+        <a:font script="Ethi" typeface="Nyala"/>
+        <a:font script="Beng" typeface="Vrinda"/>
+        <a:font script="Gujr" typeface="Shruti"/>
+        <a:font script="Khmr" typeface="DaunPenh"/>
+        <a:font script="Knda" typeface="Tunga"/>
+        <a:font script="Guru" typeface="Raavi"/>
+        <a:font script="Cans" typeface="Euphemia"/>
+        <a:font script="Cher" typeface="Plantagenet Cherokee"/>
+        <a:font script="Yiii" typeface="Microsoft Yi Baiti"/>
+        <a:font script="Tibt" typeface="Microsoft Himalaya"/>
+        <a:font script="Thaa" typeface="MV Boli"/>
+        <a:font script="Deva" typeface="Mangal"/>
+        <a:font script="Telu" typeface="Gautami"/>
+        <a:font script="Taml" typeface="Latha"/>
+        <a:font script="Syrc" typeface="Estrangelo Edessa"/>
+        <a:font script="Orya" typeface="Kalinga"/>
+        <a:font script="Mlym" typeface="Kartika"/>
+        <a:font script="Laoo" typeface="DokChampa"/>
+        <a:font script="Sinh" typeface="Iskoola Pota"/>
+        <a:font script="Mong" typeface="Mongolian Baiti"/>
+        <a:font script="Viet" typeface="Arial"/>
+        <a:font script="Uigh" typeface="Microsoft Uighur"/>
+        <a:font script="Geor" typeface="Sylfaen"/>
+        <a:font script="Armn" typeface="Arial"/>
+        <a:font script="Bugi" typeface="Leelawadee UI"/>
+        <a:font script="Bopo" typeface="Microsoft JhengHei"/>
+        <a:font script="Java" typeface="Javanese Text"/>
+        <a:font script="Lisu" typeface="Segoe UI"/>
+        <a:font script="Mymr" typeface="Myanmar Text"/>
+        <a:font script="Nkoo" typeface="Ebrima"/>
+        <a:font script="Olck" typeface="Nirmala UI"/>
+        <a:font script="Osma" typeface="Ebrima"/>
+        <a:font script="Phag" typeface="Phagspa"/>
+        <a:font script="Syrn" typeface="Estrangelo Edessa"/>
+        <a:font script="Syrj" typeface="Estrangelo Edessa"/>
+        <a:font script="Syre" typeface="Estrangelo Edessa"/>
+        <a:font script="Sora" typeface="Nirmala UI"/>
+        <a:font script="Tale" typeface="Microsoft Tai Le"/>
+        <a:font script="Talu" typeface="Microsoft New Tai Lue"/>
+        <a:font script="Tfng" typeface="Ebrima"/>
+      </a:minorFont>
+    </a:fontScheme>
+    <a:fmtScheme name="Office">
+      <a:fillStyleLst>
+        <a:solidFill>
+          <a:schemeClr val="phClr"/>
+        </a:solidFill>
+        <a:gradFill rotWithShape="1">
+          <a:gsLst>
+            <a:gs pos="0">
+              <a:schemeClr val="phClr">
+                <a:lumMod val="110000"/>
+                <a:satMod val="105000"/>
+                <a:tint val="67000"/>
+              </a:schemeClr>
+            </a:gs>
+            <a:gs pos="50000">
+              <a:schemeClr val="phClr">
+                <a:lumMod val="105000"/>
+                <a:satMod val="103000"/>
+                <a:tint val="73000"/>
+              </a:schemeClr>
+            </a:gs>
+            <a:gs pos="100000">
+              <a:schemeClr val="phClr">
+                <a:lumMod val="105000"/>
+                <a:satMod val="109000"/>
+                <a:tint val="81000"/>
+              </a:schemeClr>
+            </a:gs>
+          </a:gsLst>
+          <a:lin ang="5400000" scaled="0"/>
+        </a:gradFill>
+        <a:gradFill rotWithShape="1">
+          <a:gsLst>
+            <a:gs pos="0">
+              <a:schemeClr val="phClr">
+                <a:satMod val="103000"/>
+                <a:lumMod val="102000"/>
+                <a:tint val="94000"/>
+              </a:schemeClr>
+            </a:gs>
+            <a:gs pos="50000">
+              <a:schemeClr val="phClr">
+                <a:satMod val="110000"/>
+                <a:lumMod val="100000"/>
+                <a:shade val="100000"/>
+              </a:schemeClr>
+            </a:gs>
+            <a:gs pos="100000">
+              <a:schemeClr val="phClr">
+                <a:lumMod val="99000"/>
+                <a:satMod val="120000"/>
+                <a:shade val="78000"/>
+              </a:schemeClr>
+            </a:gs>
+          </a:gsLst>
+          <a:lin ang="5400000" scaled="0"/>
+        </a:gradFill>
+      </a:fillStyleLst>
+      <a:lnStyleLst>
+        <a:ln w="6350" cap="flat" cmpd="sng" algn="ctr">
+          <a:solidFill>
+            <a:schemeClr val="phClr"/>
+          </a:solidFill>
+          <a:prstDash val="solid"/>
+          <a:miter lim="800000"/>
+        </a:ln>
+        <a:ln w="12700" cap="flat" cmpd="sng" algn="ctr">
+          <a:solidFill>
+            <a:schemeClr val="phClr"/>
+          </a:solidFill>
+          <a:prstDash val="solid"/>
+          <a:miter lim="800000"/>
+        </a:ln>
+        <a:ln w="19050" cap="flat" cmpd="sng" algn="ctr">
+          <a:solidFill>
+            <a:schemeClr val="phClr"/>
+          </a:solidFill>
+          <a:prstDash val="solid"/>
+          <a:miter lim="800000"/>
+        </a:ln>
+      </a:lnStyleLst>
+      <a:effectStyleLst>
+        <a:effectStyle>
+          <a:effectLst/>
+        </a:effectStyle>
+        <a:effectStyle>
+          <a:effectLst/>
+        </a:effectStyle>
+        <a:effectStyle>
+          <a:effectLst>
+            <a:outerShdw blurRad="57150" dist="19050" dir="5400000" algn="ctr" rotWithShape="0">
+              <a:srgbClr val="000000">
+                <a:alpha val="63000"/>
+              </a:srgbClr>
+            </a:outerShdw>
+          </a:effectLst>
+        </a:effectStyle>
+      </a:effectStyleLst>
+      <a:bgFillStyleLst>
+        <a:solidFill>
+          <a:schemeClr val="phClr"/>
+        </a:solidFill>
+        <a:solidFill>
+          <a:schemeClr val="phClr">
+            <a:tint val="95000"/>
+            <a:satMod val="170000"/>
+          </a:schemeClr>
+        </a:solidFill>
+        <a:gradFill rotWithShape="1">
+          <a:gsLst>
+            <a:gs pos="0">
+              <a:schemeClr val="phClr">
+                <a:tint val="93000"/>
+                <a:satMod val="150000"/>
+                <a:shade val="98000"/>
+                <a:lumMod val="102000"/>
+              </a:schemeClr>
+            </a:gs>
+            <a:gs pos="50000">
+              <a:schemeClr val="phClr">
+                <a:tint val="98000"/>
+                <a:satMod val="130000"/>
+                <a:shade val="90000"/>
+                <a:lumMod val="103000"/>
+              </a:schemeClr>
+            </a:gs>
+            <a:gs pos="100000">
+              <a:schemeClr val="phClr">
+                <a:shade val="63000"/>
+                <a:satMod val="120000"/>
+              </a:schemeClr>
+            </a:gs>
+          </a:gsLst>
+          <a:lin ang="5400000" scaled="0"/>
+        </a:gradFill>
+      </a:bgFillStyleLst>
+    </a:fmtScheme>
+  </a:themeElements>
+  <a:objectDefaults/>
+  <a:extraClrSchemeLst/>
+  <a:extLst>
+    <a:ext uri="{05A4C25C-085E-4340-85A3-A5531E510DB2}">
+      <thm15:themeFamily xmlns:thm15="http://schemas.microsoft.com/office/thememl/2012/main" name="Office Theme" id="{62F939B6-93AF-4DB8-9C6B-D6C7DFDC589F}" vid="{4A3C46E8-61CC-4603-A589-7422A47A8E4A}"/>
+    </a:ext>
+  </a:extLst>
+</a:theme>
 </file>